--- a/README.pptx
+++ b/README.pptx
@@ -31,10 +31,16 @@
     <p:sldId id="263" r:id="rId25"/>
     <p:sldId id="261" r:id="rId26"/>
     <p:sldId id="285" r:id="rId27"/>
-    <p:sldId id="269" r:id="rId28"/>
-    <p:sldId id="270" r:id="rId29"/>
-    <p:sldId id="271" r:id="rId30"/>
-    <p:sldId id="272" r:id="rId31"/>
+    <p:sldId id="291" r:id="rId28"/>
+    <p:sldId id="292" r:id="rId29"/>
+    <p:sldId id="293" r:id="rId30"/>
+    <p:sldId id="294" r:id="rId31"/>
+    <p:sldId id="295" r:id="rId32"/>
+    <p:sldId id="290" r:id="rId33"/>
+    <p:sldId id="269" r:id="rId34"/>
+    <p:sldId id="270" r:id="rId35"/>
+    <p:sldId id="271" r:id="rId36"/>
+    <p:sldId id="272" r:id="rId37"/>
   </p:sldIdLst>
   <p:sldSz cx="12192000" cy="6858000"/>
   <p:notesSz cx="6877050" cy="9656763"/>
@@ -272,7 +278,7 @@
           <a:p>
             <a:fld id="{C4F1E50A-4571-4B4A-874F-A3CA17A17BF4}" type="datetimeFigureOut">
               <a:rPr lang="fr-FR" smtClean="0"/>
-              <a:t>10/05/2017</a:t>
+              <a:t>15/05/2017</a:t>
             </a:fld>
             <a:endParaRPr lang="fr-FR"/>
           </a:p>
@@ -442,7 +448,7 @@
           <a:p>
             <a:fld id="{C4F1E50A-4571-4B4A-874F-A3CA17A17BF4}" type="datetimeFigureOut">
               <a:rPr lang="fr-FR" smtClean="0"/>
-              <a:t>10/05/2017</a:t>
+              <a:t>15/05/2017</a:t>
             </a:fld>
             <a:endParaRPr lang="fr-FR"/>
           </a:p>
@@ -622,7 +628,7 @@
           <a:p>
             <a:fld id="{C4F1E50A-4571-4B4A-874F-A3CA17A17BF4}" type="datetimeFigureOut">
               <a:rPr lang="fr-FR" smtClean="0"/>
-              <a:t>10/05/2017</a:t>
+              <a:t>15/05/2017</a:t>
             </a:fld>
             <a:endParaRPr lang="fr-FR"/>
           </a:p>
@@ -792,7 +798,7 @@
           <a:p>
             <a:fld id="{C4F1E50A-4571-4B4A-874F-A3CA17A17BF4}" type="datetimeFigureOut">
               <a:rPr lang="fr-FR" smtClean="0"/>
-              <a:t>10/05/2017</a:t>
+              <a:t>15/05/2017</a:t>
             </a:fld>
             <a:endParaRPr lang="fr-FR"/>
           </a:p>
@@ -1038,7 +1044,7 @@
           <a:p>
             <a:fld id="{C4F1E50A-4571-4B4A-874F-A3CA17A17BF4}" type="datetimeFigureOut">
               <a:rPr lang="fr-FR" smtClean="0"/>
-              <a:t>10/05/2017</a:t>
+              <a:t>15/05/2017</a:t>
             </a:fld>
             <a:endParaRPr lang="fr-FR"/>
           </a:p>
@@ -1270,7 +1276,7 @@
           <a:p>
             <a:fld id="{C4F1E50A-4571-4B4A-874F-A3CA17A17BF4}" type="datetimeFigureOut">
               <a:rPr lang="fr-FR" smtClean="0"/>
-              <a:t>10/05/2017</a:t>
+              <a:t>15/05/2017</a:t>
             </a:fld>
             <a:endParaRPr lang="fr-FR"/>
           </a:p>
@@ -1637,7 +1643,7 @@
           <a:p>
             <a:fld id="{C4F1E50A-4571-4B4A-874F-A3CA17A17BF4}" type="datetimeFigureOut">
               <a:rPr lang="fr-FR" smtClean="0"/>
-              <a:t>10/05/2017</a:t>
+              <a:t>15/05/2017</a:t>
             </a:fld>
             <a:endParaRPr lang="fr-FR"/>
           </a:p>
@@ -1755,7 +1761,7 @@
           <a:p>
             <a:fld id="{C4F1E50A-4571-4B4A-874F-A3CA17A17BF4}" type="datetimeFigureOut">
               <a:rPr lang="fr-FR" smtClean="0"/>
-              <a:t>10/05/2017</a:t>
+              <a:t>15/05/2017</a:t>
             </a:fld>
             <a:endParaRPr lang="fr-FR"/>
           </a:p>
@@ -1850,7 +1856,7 @@
           <a:p>
             <a:fld id="{C4F1E50A-4571-4B4A-874F-A3CA17A17BF4}" type="datetimeFigureOut">
               <a:rPr lang="fr-FR" smtClean="0"/>
-              <a:t>10/05/2017</a:t>
+              <a:t>15/05/2017</a:t>
             </a:fld>
             <a:endParaRPr lang="fr-FR"/>
           </a:p>
@@ -2127,7 +2133,7 @@
           <a:p>
             <a:fld id="{C4F1E50A-4571-4B4A-874F-A3CA17A17BF4}" type="datetimeFigureOut">
               <a:rPr lang="fr-FR" smtClean="0"/>
-              <a:t>10/05/2017</a:t>
+              <a:t>15/05/2017</a:t>
             </a:fld>
             <a:endParaRPr lang="fr-FR"/>
           </a:p>
@@ -2380,7 +2386,7 @@
           <a:p>
             <a:fld id="{C4F1E50A-4571-4B4A-874F-A3CA17A17BF4}" type="datetimeFigureOut">
               <a:rPr lang="fr-FR" smtClean="0"/>
-              <a:t>10/05/2017</a:t>
+              <a:t>15/05/2017</a:t>
             </a:fld>
             <a:endParaRPr lang="fr-FR"/>
           </a:p>
@@ -2593,7 +2599,7 @@
           <a:p>
             <a:fld id="{C4F1E50A-4571-4B4A-874F-A3CA17A17BF4}" type="datetimeFigureOut">
               <a:rPr lang="fr-FR" smtClean="0"/>
-              <a:t>10/05/2017</a:t>
+              <a:t>15/05/2017</a:t>
             </a:fld>
             <a:endParaRPr lang="fr-FR"/>
           </a:p>
@@ -7427,11 +7433,7 @@
           <a:p>
             <a:r>
               <a:rPr lang="fr-FR" sz="1400" dirty="0" smtClean="0"/>
-              <a:t>Player Agent </a:t>
-            </a:r>
-            <a:r>
-              <a:rPr lang="fr-FR" sz="1400" dirty="0" smtClean="0"/>
-              <a:t>(IA)</a:t>
+              <a:t>Player Agent (IA)</a:t>
             </a:r>
             <a:endParaRPr lang="fr-FR" sz="1400" dirty="0"/>
           </a:p>
@@ -7818,11 +7820,7 @@
           <a:p>
             <a:r>
               <a:rPr lang="fr-FR" sz="1400" dirty="0" smtClean="0"/>
-              <a:t>Player Agent </a:t>
-            </a:r>
-            <a:r>
-              <a:rPr lang="fr-FR" sz="1400" dirty="0" smtClean="0"/>
-              <a:t>(HUMAIN)</a:t>
+              <a:t>Player Agent (HUMAIN)</a:t>
             </a:r>
             <a:endParaRPr lang="fr-FR" sz="1400" dirty="0"/>
           </a:p>
@@ -14361,7 +14359,7 @@
           <a:p>
             <a:r>
               <a:rPr lang="fr-FR" dirty="0" smtClean="0"/>
-              <a:t>ALGOS</a:t>
+              <a:t>UI</a:t>
             </a:r>
             <a:endParaRPr lang="fr-FR" dirty="0"/>
           </a:p>
@@ -14409,332 +14407,491 @@
       </p:grpSpPr>
       <p:sp>
         <p:nvSpPr>
-          <p:cNvPr id="4" name="Rectangle 3"/>
-          <p:cNvSpPr/>
-          <p:nvPr/>
-        </p:nvSpPr>
-        <p:spPr>
-          <a:xfrm>
-            <a:off x="476657" y="1012409"/>
-            <a:ext cx="11459182" cy="5047536"/>
+          <p:cNvPr id="4" name="Rectangle à coins arrondis 3"/>
+          <p:cNvSpPr/>
+          <p:nvPr/>
+        </p:nvSpPr>
+        <p:spPr>
+          <a:xfrm>
+            <a:off x="856544" y="1159464"/>
+            <a:ext cx="3433354" cy="4210204"/>
+          </a:xfrm>
+          <a:prstGeom prst="roundRect">
+            <a:avLst>
+              <a:gd name="adj" fmla="val 0"/>
+            </a:avLst>
+          </a:prstGeom>
+          <a:ln/>
+        </p:spPr>
+        <p:style>
+          <a:lnRef idx="2">
+            <a:schemeClr val="accent5"/>
+          </a:lnRef>
+          <a:fillRef idx="1">
+            <a:schemeClr val="lt1"/>
+          </a:fillRef>
+          <a:effectRef idx="0">
+            <a:schemeClr val="accent5"/>
+          </a:effectRef>
+          <a:fontRef idx="minor">
+            <a:schemeClr val="dk1"/>
+          </a:fontRef>
+        </p:style>
+        <p:txBody>
+          <a:bodyPr rtlCol="0" anchor="ctr"/>
+          <a:lstStyle/>
+          <a:p>
+            <a:pPr algn="ctr"/>
+            <a:endParaRPr lang="fr-FR" sz="1200" dirty="0"/>
+          </a:p>
+        </p:txBody>
+      </p:sp>
+      <p:sp>
+        <p:nvSpPr>
+          <p:cNvPr id="6" name="Rectangle à coins arrondis 5"/>
+          <p:cNvSpPr/>
+          <p:nvPr/>
+        </p:nvSpPr>
+        <p:spPr>
+          <a:xfrm>
+            <a:off x="1331577" y="3415345"/>
+            <a:ext cx="2569214" cy="349259"/>
+          </a:xfrm>
+          <a:prstGeom prst="roundRect">
+            <a:avLst>
+              <a:gd name="adj" fmla="val 0"/>
+            </a:avLst>
+          </a:prstGeom>
+          <a:ln/>
+        </p:spPr>
+        <p:style>
+          <a:lnRef idx="2">
+            <a:schemeClr val="accent5"/>
+          </a:lnRef>
+          <a:fillRef idx="1">
+            <a:schemeClr val="lt1"/>
+          </a:fillRef>
+          <a:effectRef idx="0">
+            <a:schemeClr val="accent5"/>
+          </a:effectRef>
+          <a:fontRef idx="minor">
+            <a:schemeClr val="dk1"/>
+          </a:fontRef>
+        </p:style>
+        <p:txBody>
+          <a:bodyPr rtlCol="0" anchor="ctr"/>
+          <a:lstStyle/>
+          <a:p>
+            <a:r>
+              <a:rPr lang="fr-FR" sz="1200" dirty="0" smtClean="0"/>
+              <a:t>IP</a:t>
+            </a:r>
+            <a:endParaRPr lang="fr-FR" sz="1200" dirty="0"/>
+          </a:p>
+        </p:txBody>
+      </p:sp>
+      <p:sp>
+        <p:nvSpPr>
+          <p:cNvPr id="7" name="Rectangle à coins arrondis 6"/>
+          <p:cNvSpPr/>
+          <p:nvPr/>
+        </p:nvSpPr>
+        <p:spPr>
+          <a:xfrm>
+            <a:off x="1331577" y="3966579"/>
+            <a:ext cx="2569214" cy="349259"/>
+          </a:xfrm>
+          <a:prstGeom prst="roundRect">
+            <a:avLst>
+              <a:gd name="adj" fmla="val 0"/>
+            </a:avLst>
+          </a:prstGeom>
+          <a:ln/>
+        </p:spPr>
+        <p:style>
+          <a:lnRef idx="2">
+            <a:schemeClr val="accent5"/>
+          </a:lnRef>
+          <a:fillRef idx="1">
+            <a:schemeClr val="lt1"/>
+          </a:fillRef>
+          <a:effectRef idx="0">
+            <a:schemeClr val="accent5"/>
+          </a:effectRef>
+          <a:fontRef idx="minor">
+            <a:schemeClr val="dk1"/>
+          </a:fontRef>
+        </p:style>
+        <p:txBody>
+          <a:bodyPr rtlCol="0" anchor="ctr"/>
+          <a:lstStyle/>
+          <a:p>
+            <a:r>
+              <a:rPr lang="fr-FR" sz="1200" dirty="0" smtClean="0"/>
+              <a:t>PORT</a:t>
+            </a:r>
+            <a:endParaRPr lang="fr-FR" sz="1200" dirty="0"/>
+          </a:p>
+        </p:txBody>
+      </p:sp>
+      <p:sp>
+        <p:nvSpPr>
+          <p:cNvPr id="8" name="Rectangle à coins arrondis 7"/>
+          <p:cNvSpPr/>
+          <p:nvPr/>
+        </p:nvSpPr>
+        <p:spPr>
+          <a:xfrm>
+            <a:off x="1916349" y="4425869"/>
+            <a:ext cx="1157591" cy="349259"/>
+          </a:xfrm>
+          <a:prstGeom prst="roundRect">
+            <a:avLst>
+              <a:gd name="adj" fmla="val 0"/>
+            </a:avLst>
+          </a:prstGeom>
+          <a:solidFill>
+            <a:schemeClr val="tx2">
+              <a:lumMod val="40000"/>
+              <a:lumOff val="60000"/>
+            </a:schemeClr>
+          </a:solidFill>
+          <a:ln/>
+        </p:spPr>
+        <p:style>
+          <a:lnRef idx="2">
+            <a:schemeClr val="accent5"/>
+          </a:lnRef>
+          <a:fillRef idx="1">
+            <a:schemeClr val="lt1"/>
+          </a:fillRef>
+          <a:effectRef idx="0">
+            <a:schemeClr val="accent5"/>
+          </a:effectRef>
+          <a:fontRef idx="minor">
+            <a:schemeClr val="dk1"/>
+          </a:fontRef>
+        </p:style>
+        <p:txBody>
+          <a:bodyPr rtlCol="0" anchor="ctr"/>
+          <a:lstStyle/>
+          <a:p>
+            <a:pPr algn="ctr"/>
+            <a:r>
+              <a:rPr lang="fr-FR" sz="1200" dirty="0" smtClean="0"/>
+              <a:t>Rejoindre</a:t>
+            </a:r>
+            <a:endParaRPr lang="fr-FR" sz="1200" dirty="0"/>
+          </a:p>
+        </p:txBody>
+      </p:sp>
+      <p:sp>
+        <p:nvSpPr>
+          <p:cNvPr id="9" name="ZoneTexte 8"/>
+          <p:cNvSpPr txBox="1"/>
+          <p:nvPr/>
+        </p:nvSpPr>
+        <p:spPr>
+          <a:xfrm>
+            <a:off x="1225129" y="2986551"/>
+            <a:ext cx="2782110" cy="369332"/>
           </a:xfrm>
           <a:prstGeom prst="rect">
             <a:avLst/>
           </a:prstGeom>
-        </p:spPr>
-        <p:txBody>
-          <a:bodyPr wrap="square">
+          <a:noFill/>
+        </p:spPr>
+        <p:txBody>
+          <a:bodyPr wrap="square" rtlCol="0">
             <a:spAutoFit/>
           </a:bodyPr>
           <a:lstStyle/>
           <a:p>
             <a:r>
-              <a:rPr lang="fr-FR" sz="1400" dirty="0" smtClean="0"/>
-              <a:t>#</a:t>
-            </a:r>
-            <a:r>
-              <a:rPr lang="fr-FR" sz="1400" dirty="0" err="1" smtClean="0"/>
-              <a:t>citizen</a:t>
-            </a:r>
-            <a:r>
-              <a:rPr lang="fr-FR" sz="1400" dirty="0" smtClean="0"/>
-              <a:t> vote</a:t>
-            </a:r>
-            <a:endParaRPr lang="fr-FR" sz="1400" dirty="0"/>
-          </a:p>
-          <a:p>
-            <a:r>
-              <a:rPr lang="fr-FR" sz="1400" dirty="0"/>
-              <a:t>entrée : </a:t>
-            </a:r>
-          </a:p>
-          <a:p>
-            <a:r>
-              <a:rPr lang="fr-FR" sz="1400" dirty="0"/>
-              <a:t>	</a:t>
-            </a:r>
-            <a:r>
-              <a:rPr lang="fr-FR" sz="1400" dirty="0" err="1"/>
-              <a:t>rv</a:t>
-            </a:r>
-            <a:r>
-              <a:rPr lang="fr-FR" sz="1400" dirty="0"/>
-              <a:t> : </a:t>
-            </a:r>
-            <a:r>
-              <a:rPr lang="fr-FR" sz="1400" dirty="0" err="1"/>
-              <a:t>request</a:t>
-            </a:r>
-            <a:r>
-              <a:rPr lang="fr-FR" sz="1400" dirty="0"/>
-              <a:t> vote</a:t>
-            </a:r>
-          </a:p>
-          <a:p>
-            <a:r>
-              <a:rPr lang="fr-FR" sz="1400" dirty="0"/>
-              <a:t>	</a:t>
-            </a:r>
-            <a:r>
-              <a:rPr lang="fr-FR" sz="1400" dirty="0" err="1"/>
-              <a:t>gv</a:t>
-            </a:r>
-            <a:r>
-              <a:rPr lang="fr-FR" sz="1400" dirty="0"/>
-              <a:t> : global vote </a:t>
-            </a:r>
-            <a:r>
-              <a:rPr lang="fr-FR" sz="1400" dirty="0" err="1"/>
-              <a:t>result</a:t>
-            </a:r>
-            <a:endParaRPr lang="fr-FR" sz="1400" dirty="0"/>
-          </a:p>
-          <a:p>
-            <a:r>
-              <a:rPr lang="fr-FR" sz="1400" dirty="0"/>
-              <a:t>	v : vote </a:t>
-            </a:r>
-            <a:r>
-              <a:rPr lang="fr-FR" sz="1400" dirty="0" err="1"/>
-              <a:t>result</a:t>
-            </a:r>
-            <a:endParaRPr lang="fr-FR" sz="1400" dirty="0"/>
-          </a:p>
-          <a:p>
-            <a:r>
-              <a:rPr lang="fr-FR" sz="1400" dirty="0"/>
-              <a:t>	j : joueur étudié</a:t>
-            </a:r>
-          </a:p>
-          <a:p>
-            <a:r>
-              <a:rPr lang="fr-FR" sz="1400" dirty="0"/>
-              <a:t>	</a:t>
-            </a:r>
-            <a:r>
-              <a:rPr lang="fr-FR" sz="1400" dirty="0" err="1"/>
-              <a:t>jc</a:t>
-            </a:r>
-            <a:r>
-              <a:rPr lang="fr-FR" sz="1400" dirty="0"/>
-              <a:t> : joueur courant</a:t>
-            </a:r>
-          </a:p>
-          <a:p>
-            <a:endParaRPr lang="fr-FR" sz="1400" dirty="0"/>
-          </a:p>
-          <a:p>
-            <a:r>
-              <a:rPr lang="fr-FR" sz="1400" dirty="0" err="1"/>
-              <a:t>debut</a:t>
-            </a:r>
-            <a:endParaRPr lang="fr-FR" sz="1400" dirty="0"/>
-          </a:p>
-          <a:p>
-            <a:r>
-              <a:rPr lang="fr-FR" sz="1400" dirty="0"/>
-              <a:t>	score = 0</a:t>
-            </a:r>
-          </a:p>
-          <a:p>
-            <a:r>
-              <a:rPr lang="fr-FR" sz="1400" dirty="0"/>
-              <a:t>		</a:t>
-            </a:r>
-          </a:p>
-          <a:p>
-            <a:r>
-              <a:rPr lang="fr-FR" sz="1400" dirty="0"/>
-              <a:t>	si j = </a:t>
-            </a:r>
-            <a:r>
-              <a:rPr lang="fr-FR" sz="1400" dirty="0" err="1"/>
-              <a:t>jc</a:t>
-            </a:r>
-            <a:endParaRPr lang="fr-FR" sz="1400" dirty="0"/>
-          </a:p>
-          <a:p>
-            <a:r>
-              <a:rPr lang="fr-FR" sz="1400" dirty="0"/>
-              <a:t>		score =  MIN_VALUE #Valeur très </a:t>
-            </a:r>
-            <a:r>
-              <a:rPr lang="fr-FR" sz="1400" dirty="0" err="1"/>
-              <a:t>très</a:t>
-            </a:r>
-            <a:r>
-              <a:rPr lang="fr-FR" sz="1400" dirty="0"/>
-              <a:t> faible impossible à atteindre via le </a:t>
-            </a:r>
-            <a:r>
-              <a:rPr lang="fr-FR" sz="1400" dirty="0" err="1"/>
-              <a:t>scoring</a:t>
-            </a:r>
-            <a:endParaRPr lang="fr-FR" sz="1400" dirty="0"/>
-          </a:p>
-          <a:p>
-            <a:r>
-              <a:rPr lang="fr-FR" sz="1400" dirty="0"/>
-              <a:t>	si non </a:t>
-            </a:r>
-          </a:p>
-          <a:p>
-            <a:r>
-              <a:rPr lang="fr-FR" sz="1400" dirty="0"/>
-              <a:t>		score += </a:t>
-            </a:r>
-            <a:r>
-              <a:rPr lang="fr-FR" sz="1400" dirty="0" err="1"/>
-              <a:t>get</a:t>
-            </a:r>
-            <a:r>
-              <a:rPr lang="fr-FR" sz="1400" dirty="0"/>
-              <a:t>-vote(</a:t>
-            </a:r>
-            <a:r>
-              <a:rPr lang="fr-FR" sz="1400" dirty="0" err="1"/>
-              <a:t>gv</a:t>
-            </a:r>
-            <a:r>
-              <a:rPr lang="fr-FR" sz="1400" dirty="0"/>
-              <a:t>, j, </a:t>
-            </a:r>
-            <a:r>
-              <a:rPr lang="fr-FR" sz="1400" dirty="0" err="1"/>
-              <a:t>jc</a:t>
-            </a:r>
-            <a:r>
-              <a:rPr lang="fr-FR" sz="1400" dirty="0"/>
-              <a:t>) * FACTEUR_GLOBAL_VOTE #combien de fois le joueur a voté contre le joueur courant depuis le début de partie</a:t>
-            </a:r>
-          </a:p>
-          <a:p>
-            <a:r>
-              <a:rPr lang="fr-FR" sz="1400" dirty="0"/>
-              <a:t>		score += </a:t>
-            </a:r>
-            <a:r>
-              <a:rPr lang="fr-FR" sz="1400" dirty="0" err="1"/>
-              <a:t>get</a:t>
-            </a:r>
-            <a:r>
-              <a:rPr lang="fr-FR" sz="1400" dirty="0"/>
-              <a:t>-vote(v, j, </a:t>
-            </a:r>
-            <a:r>
-              <a:rPr lang="fr-FR" sz="1400" dirty="0" err="1"/>
-              <a:t>jc</a:t>
-            </a:r>
-            <a:r>
-              <a:rPr lang="fr-FR" sz="1400" dirty="0"/>
-              <a:t>) * FACTEUR_VOTE #combien de fois le joueur a voté contre le joueur courant  depuis le début du tour</a:t>
-            </a:r>
-          </a:p>
-          <a:p>
-            <a:r>
-              <a:rPr lang="fr-FR" sz="1400" dirty="0"/>
-              <a:t>		score += </a:t>
-            </a:r>
-            <a:r>
-              <a:rPr lang="fr-FR" sz="1400" dirty="0" err="1"/>
-              <a:t>get</a:t>
-            </a:r>
-            <a:r>
-              <a:rPr lang="fr-FR" sz="1400" dirty="0"/>
-              <a:t>-vote(v, j) * FACTEUR_VOTE # le nombre de voix contre le joueur</a:t>
-            </a:r>
-          </a:p>
-          <a:p>
-            <a:r>
-              <a:rPr lang="fr-FR" sz="1400" dirty="0"/>
-              <a:t>		score += </a:t>
-            </a:r>
-            <a:r>
-              <a:rPr lang="fr-FR" sz="1400" dirty="0" err="1"/>
-              <a:t>difference</a:t>
-            </a:r>
-            <a:r>
-              <a:rPr lang="fr-FR" sz="1400" dirty="0"/>
-              <a:t>-vote(v, j, </a:t>
-            </a:r>
-            <a:r>
-              <a:rPr lang="fr-FR" sz="1400" dirty="0" err="1"/>
-              <a:t>jc</a:t>
-            </a:r>
-            <a:r>
-              <a:rPr lang="fr-FR" sz="1400" dirty="0"/>
-              <a:t>) * FACTEUR_DIFFERENCE_VOTE # positif si le joueur a plus de voix que le joueur courant. négatif sinon</a:t>
-            </a:r>
-          </a:p>
-          <a:p>
-            <a:r>
-              <a:rPr lang="fr-FR" sz="1400" dirty="0"/>
-              <a:t>	retourne score</a:t>
-            </a:r>
-          </a:p>
-          <a:p>
-            <a:r>
-              <a:rPr lang="fr-FR" sz="1400" dirty="0"/>
-              <a:t>	</a:t>
-            </a:r>
-          </a:p>
-          <a:p>
-            <a:r>
-              <a:rPr lang="fr-FR" sz="1400" dirty="0"/>
-              <a:t>fin</a:t>
-            </a:r>
-          </a:p>
-        </p:txBody>
-      </p:sp>
-      <p:sp>
-        <p:nvSpPr>
-          <p:cNvPr id="30" name="Sous-titre 4"/>
-          <p:cNvSpPr>
-            <a:spLocks noGrp="1"/>
-          </p:cNvSpPr>
-          <p:nvPr>
-            <p:ph type="subTitle" idx="1"/>
-          </p:nvPr>
-        </p:nvSpPr>
-        <p:spPr>
-          <a:xfrm>
-            <a:off x="476657" y="279732"/>
-            <a:ext cx="5481584" cy="596869"/>
-          </a:xfrm>
-        </p:spPr>
-        <p:txBody>
-          <a:bodyPr/>
-          <a:lstStyle/>
-          <a:p>
-            <a:pPr algn="l"/>
-            <a:r>
-              <a:rPr lang="fr-FR" dirty="0" smtClean="0"/>
-              <a:t>ALGO SCORE CITIZEN VOTE</a:t>
-            </a:r>
-            <a:endParaRPr lang="fr-FR" dirty="0"/>
+              <a:rPr lang="fr-FR" i="1" dirty="0" smtClean="0"/>
+              <a:t>Rejoindre serveur de partie</a:t>
+            </a:r>
+            <a:endParaRPr lang="fr-FR" i="1" dirty="0"/>
+          </a:p>
+        </p:txBody>
+      </p:sp>
+      <p:sp>
+        <p:nvSpPr>
+          <p:cNvPr id="10" name="ZoneTexte 9"/>
+          <p:cNvSpPr txBox="1"/>
+          <p:nvPr/>
+        </p:nvSpPr>
+        <p:spPr>
+          <a:xfrm>
+            <a:off x="1225129" y="1563389"/>
+            <a:ext cx="2782110" cy="369332"/>
+          </a:xfrm>
+          <a:prstGeom prst="rect">
+            <a:avLst/>
+          </a:prstGeom>
+          <a:noFill/>
+        </p:spPr>
+        <p:txBody>
+          <a:bodyPr wrap="square" rtlCol="0">
+            <a:spAutoFit/>
+          </a:bodyPr>
+          <a:lstStyle/>
+          <a:p>
+            <a:r>
+              <a:rPr lang="fr-FR" i="1" dirty="0" smtClean="0"/>
+              <a:t>Créer serveur de partie</a:t>
+            </a:r>
+            <a:endParaRPr lang="fr-FR" i="1" dirty="0"/>
+          </a:p>
+        </p:txBody>
+      </p:sp>
+      <p:sp>
+        <p:nvSpPr>
+          <p:cNvPr id="11" name="Rectangle à coins arrondis 10"/>
+          <p:cNvSpPr/>
+          <p:nvPr/>
+        </p:nvSpPr>
+        <p:spPr>
+          <a:xfrm>
+            <a:off x="1916348" y="2484155"/>
+            <a:ext cx="1157591" cy="349259"/>
+          </a:xfrm>
+          <a:prstGeom prst="roundRect">
+            <a:avLst>
+              <a:gd name="adj" fmla="val 0"/>
+            </a:avLst>
+          </a:prstGeom>
+          <a:solidFill>
+            <a:schemeClr val="tx2">
+              <a:lumMod val="40000"/>
+              <a:lumOff val="60000"/>
+            </a:schemeClr>
+          </a:solidFill>
+          <a:ln/>
+        </p:spPr>
+        <p:style>
+          <a:lnRef idx="2">
+            <a:schemeClr val="accent5"/>
+          </a:lnRef>
+          <a:fillRef idx="1">
+            <a:schemeClr val="lt1"/>
+          </a:fillRef>
+          <a:effectRef idx="0">
+            <a:schemeClr val="accent5"/>
+          </a:effectRef>
+          <a:fontRef idx="minor">
+            <a:schemeClr val="dk1"/>
+          </a:fontRef>
+        </p:style>
+        <p:txBody>
+          <a:bodyPr rtlCol="0" anchor="ctr"/>
+          <a:lstStyle/>
+          <a:p>
+            <a:pPr algn="ctr"/>
+            <a:r>
+              <a:rPr lang="fr-FR" sz="1200" dirty="0" smtClean="0"/>
+              <a:t>Créer</a:t>
+            </a:r>
+            <a:endParaRPr lang="fr-FR" sz="1200" dirty="0"/>
+          </a:p>
+        </p:txBody>
+      </p:sp>
+      <p:sp>
+        <p:nvSpPr>
+          <p:cNvPr id="13" name="Rectangle à coins arrondis 12"/>
+          <p:cNvSpPr/>
+          <p:nvPr/>
+        </p:nvSpPr>
+        <p:spPr>
+          <a:xfrm>
+            <a:off x="1331577" y="2012256"/>
+            <a:ext cx="2569214" cy="349259"/>
+          </a:xfrm>
+          <a:prstGeom prst="roundRect">
+            <a:avLst>
+              <a:gd name="adj" fmla="val 0"/>
+            </a:avLst>
+          </a:prstGeom>
+          <a:ln/>
+        </p:spPr>
+        <p:style>
+          <a:lnRef idx="2">
+            <a:schemeClr val="accent5"/>
+          </a:lnRef>
+          <a:fillRef idx="1">
+            <a:schemeClr val="lt1"/>
+          </a:fillRef>
+          <a:effectRef idx="0">
+            <a:schemeClr val="accent5"/>
+          </a:effectRef>
+          <a:fontRef idx="minor">
+            <a:schemeClr val="dk1"/>
+          </a:fontRef>
+        </p:style>
+        <p:txBody>
+          <a:bodyPr rtlCol="0" anchor="ctr"/>
+          <a:lstStyle/>
+          <a:p>
+            <a:r>
+              <a:rPr lang="fr-FR" sz="1200" dirty="0" smtClean="0"/>
+              <a:t>PORT</a:t>
+            </a:r>
+            <a:endParaRPr lang="fr-FR" sz="1200" dirty="0"/>
+          </a:p>
+        </p:txBody>
+      </p:sp>
+      <p:sp>
+        <p:nvSpPr>
+          <p:cNvPr id="14" name="Flèche droite 13"/>
+          <p:cNvSpPr/>
+          <p:nvPr/>
+        </p:nvSpPr>
+        <p:spPr>
+          <a:xfrm>
+            <a:off x="2859933" y="4425869"/>
+            <a:ext cx="3414408" cy="330900"/>
+          </a:xfrm>
+          <a:prstGeom prst="rightArrow">
+            <a:avLst/>
+          </a:prstGeom>
+          <a:noFill/>
+        </p:spPr>
+        <p:style>
+          <a:lnRef idx="2">
+            <a:schemeClr val="accent1">
+              <a:shade val="50000"/>
+            </a:schemeClr>
+          </a:lnRef>
+          <a:fillRef idx="1">
+            <a:schemeClr val="accent1"/>
+          </a:fillRef>
+          <a:effectRef idx="0">
+            <a:schemeClr val="accent1"/>
+          </a:effectRef>
+          <a:fontRef idx="minor">
+            <a:schemeClr val="lt1"/>
+          </a:fontRef>
+        </p:style>
+        <p:txBody>
+          <a:bodyPr rtlCol="0" anchor="ctr"/>
+          <a:lstStyle/>
+          <a:p>
+            <a:pPr algn="ctr"/>
+            <a:endParaRPr lang="fr-FR"/>
+          </a:p>
+        </p:txBody>
+      </p:sp>
+      <p:sp>
+        <p:nvSpPr>
+          <p:cNvPr id="15" name="Flèche droite 14"/>
+          <p:cNvSpPr/>
+          <p:nvPr/>
+        </p:nvSpPr>
+        <p:spPr>
+          <a:xfrm>
+            <a:off x="2859933" y="2489905"/>
+            <a:ext cx="3414408" cy="330900"/>
+          </a:xfrm>
+          <a:prstGeom prst="rightArrow">
+            <a:avLst/>
+          </a:prstGeom>
+          <a:noFill/>
+        </p:spPr>
+        <p:style>
+          <a:lnRef idx="2">
+            <a:schemeClr val="accent1">
+              <a:shade val="50000"/>
+            </a:schemeClr>
+          </a:lnRef>
+          <a:fillRef idx="1">
+            <a:schemeClr val="accent1"/>
+          </a:fillRef>
+          <a:effectRef idx="0">
+            <a:schemeClr val="accent1"/>
+          </a:effectRef>
+          <a:fontRef idx="minor">
+            <a:schemeClr val="lt1"/>
+          </a:fontRef>
+        </p:style>
+        <p:txBody>
+          <a:bodyPr rtlCol="0" anchor="ctr"/>
+          <a:lstStyle/>
+          <a:p>
+            <a:pPr algn="ctr"/>
+            <a:endParaRPr lang="fr-FR"/>
+          </a:p>
+        </p:txBody>
+      </p:sp>
+      <p:sp>
+        <p:nvSpPr>
+          <p:cNvPr id="16" name="ZoneTexte 15"/>
+          <p:cNvSpPr txBox="1"/>
+          <p:nvPr/>
+        </p:nvSpPr>
+        <p:spPr>
+          <a:xfrm>
+            <a:off x="6455368" y="2451473"/>
+            <a:ext cx="2782110" cy="646331"/>
+          </a:xfrm>
+          <a:prstGeom prst="rect">
+            <a:avLst/>
+          </a:prstGeom>
+          <a:noFill/>
+        </p:spPr>
+        <p:txBody>
+          <a:bodyPr wrap="square" rtlCol="0">
+            <a:spAutoFit/>
+          </a:bodyPr>
+          <a:lstStyle/>
+          <a:p>
+            <a:r>
+              <a:rPr lang="fr-FR" i="1" dirty="0" smtClean="0"/>
+              <a:t>Créer container SMA + container UI</a:t>
+            </a:r>
+            <a:endParaRPr lang="fr-FR" i="1" dirty="0"/>
+          </a:p>
+        </p:txBody>
+      </p:sp>
+      <p:sp>
+        <p:nvSpPr>
+          <p:cNvPr id="17" name="ZoneTexte 16"/>
+          <p:cNvSpPr txBox="1"/>
+          <p:nvPr/>
+        </p:nvSpPr>
+        <p:spPr>
+          <a:xfrm>
+            <a:off x="6432115" y="4277332"/>
+            <a:ext cx="2782110" cy="923330"/>
+          </a:xfrm>
+          <a:prstGeom prst="rect">
+            <a:avLst/>
+          </a:prstGeom>
+          <a:noFill/>
+        </p:spPr>
+        <p:txBody>
+          <a:bodyPr wrap="square" rtlCol="0">
+            <a:spAutoFit/>
+          </a:bodyPr>
+          <a:lstStyle/>
+          <a:p>
+            <a:r>
+              <a:rPr lang="fr-FR" i="1" dirty="0" smtClean="0"/>
+              <a:t>Créer container UI en le rattachant au container SMA</a:t>
+            </a:r>
+            <a:endParaRPr lang="fr-FR" i="1" dirty="0"/>
           </a:p>
         </p:txBody>
       </p:sp>
     </p:spTree>
     <p:extLst>
       <p:ext uri="{BB962C8B-B14F-4D97-AF65-F5344CB8AC3E}">
-        <p14:creationId xmlns:p14="http://schemas.microsoft.com/office/powerpoint/2010/main" val="3068974475"/>
+        <p14:creationId xmlns:p14="http://schemas.microsoft.com/office/powerpoint/2010/main" val="166646425"/>
       </p:ext>
     </p:extLst>
   </p:cSld>
   <p:clrMapOvr>
     <a:masterClrMapping/>
   </p:clrMapOvr>
-  <p:transition spd="med">
-    <p:pull/>
-  </p:transition>
-  <p:timing>
-    <p:tnLst>
-      <p:par>
-        <p:cTn id="1" dur="indefinite" restart="never" nodeType="tmRoot"/>
-      </p:par>
-    </p:tnLst>
-  </p:timing>
 </p:sld>
 </file>
 
@@ -14757,256 +14914,516 @@
       </p:grpSpPr>
       <p:sp>
         <p:nvSpPr>
-          <p:cNvPr id="4" name="Rectangle 3"/>
-          <p:cNvSpPr/>
-          <p:nvPr/>
-        </p:nvSpPr>
-        <p:spPr>
-          <a:xfrm>
-            <a:off x="476657" y="1012409"/>
-            <a:ext cx="11459182" cy="3754874"/>
+          <p:cNvPr id="4" name="Rectangle à coins arrondis 3"/>
+          <p:cNvSpPr/>
+          <p:nvPr/>
+        </p:nvSpPr>
+        <p:spPr>
+          <a:xfrm>
+            <a:off x="856544" y="1159464"/>
+            <a:ext cx="3433354" cy="4210204"/>
+          </a:xfrm>
+          <a:prstGeom prst="roundRect">
+            <a:avLst>
+              <a:gd name="adj" fmla="val 0"/>
+            </a:avLst>
+          </a:prstGeom>
+          <a:ln/>
+        </p:spPr>
+        <p:style>
+          <a:lnRef idx="2">
+            <a:schemeClr val="accent5"/>
+          </a:lnRef>
+          <a:fillRef idx="1">
+            <a:schemeClr val="lt1"/>
+          </a:fillRef>
+          <a:effectRef idx="0">
+            <a:schemeClr val="accent5"/>
+          </a:effectRef>
+          <a:fontRef idx="minor">
+            <a:schemeClr val="dk1"/>
+          </a:fontRef>
+        </p:style>
+        <p:txBody>
+          <a:bodyPr rtlCol="0" anchor="ctr"/>
+          <a:lstStyle/>
+          <a:p>
+            <a:pPr algn="ctr"/>
+            <a:endParaRPr lang="fr-FR" sz="1200" dirty="0"/>
+          </a:p>
+        </p:txBody>
+      </p:sp>
+      <p:sp>
+        <p:nvSpPr>
+          <p:cNvPr id="7" name="Rectangle à coins arrondis 6"/>
+          <p:cNvSpPr/>
+          <p:nvPr/>
+        </p:nvSpPr>
+        <p:spPr>
+          <a:xfrm>
+            <a:off x="1331577" y="2361515"/>
+            <a:ext cx="2569214" cy="349259"/>
+          </a:xfrm>
+          <a:prstGeom prst="roundRect">
+            <a:avLst>
+              <a:gd name="adj" fmla="val 0"/>
+            </a:avLst>
+          </a:prstGeom>
+          <a:ln/>
+        </p:spPr>
+        <p:style>
+          <a:lnRef idx="2">
+            <a:schemeClr val="accent5"/>
+          </a:lnRef>
+          <a:fillRef idx="1">
+            <a:schemeClr val="lt1"/>
+          </a:fillRef>
+          <a:effectRef idx="0">
+            <a:schemeClr val="accent5"/>
+          </a:effectRef>
+          <a:fontRef idx="minor">
+            <a:schemeClr val="dk1"/>
+          </a:fontRef>
+        </p:style>
+        <p:txBody>
+          <a:bodyPr rtlCol="0" anchor="ctr"/>
+          <a:lstStyle/>
+          <a:p>
+            <a:r>
+              <a:rPr lang="fr-FR" sz="1200" dirty="0" smtClean="0"/>
+              <a:t>Partie 2</a:t>
+            </a:r>
+            <a:endParaRPr lang="fr-FR" sz="1200" dirty="0"/>
+          </a:p>
+        </p:txBody>
+      </p:sp>
+      <p:sp>
+        <p:nvSpPr>
+          <p:cNvPr id="10" name="ZoneTexte 9"/>
+          <p:cNvSpPr txBox="1"/>
+          <p:nvPr/>
+        </p:nvSpPr>
+        <p:spPr>
+          <a:xfrm>
+            <a:off x="1331577" y="1563389"/>
+            <a:ext cx="2675662" cy="369332"/>
           </a:xfrm>
           <a:prstGeom prst="rect">
             <a:avLst/>
           </a:prstGeom>
-        </p:spPr>
-        <p:txBody>
-          <a:bodyPr wrap="square">
+          <a:noFill/>
+        </p:spPr>
+        <p:txBody>
+          <a:bodyPr wrap="square" rtlCol="0">
             <a:spAutoFit/>
           </a:bodyPr>
           <a:lstStyle/>
           <a:p>
             <a:r>
-              <a:rPr lang="fr-FR" sz="1400" dirty="0"/>
-              <a:t>#</a:t>
-            </a:r>
-            <a:r>
-              <a:rPr lang="fr-FR" sz="1400" dirty="0" err="1"/>
-              <a:t>citizen</a:t>
-            </a:r>
-            <a:r>
-              <a:rPr lang="fr-FR" sz="1400" dirty="0"/>
-              <a:t> </a:t>
-            </a:r>
-            <a:r>
-              <a:rPr lang="fr-FR" sz="1400" dirty="0" smtClean="0"/>
-              <a:t>suspicion</a:t>
-            </a:r>
-            <a:endParaRPr lang="fr-FR" sz="1400" dirty="0"/>
-          </a:p>
-          <a:p>
-            <a:r>
-              <a:rPr lang="fr-FR" sz="1400" dirty="0"/>
-              <a:t>entrée : </a:t>
-            </a:r>
-          </a:p>
-          <a:p>
-            <a:r>
-              <a:rPr lang="fr-FR" sz="1400" dirty="0"/>
-              <a:t>	</a:t>
-            </a:r>
-            <a:r>
-              <a:rPr lang="fr-FR" sz="1400" dirty="0" err="1"/>
-              <a:t>rv</a:t>
-            </a:r>
-            <a:r>
-              <a:rPr lang="fr-FR" sz="1400" dirty="0"/>
-              <a:t> : </a:t>
-            </a:r>
-            <a:r>
-              <a:rPr lang="fr-FR" sz="1400" dirty="0" err="1"/>
-              <a:t>request</a:t>
-            </a:r>
-            <a:r>
-              <a:rPr lang="fr-FR" sz="1400" dirty="0"/>
-              <a:t> vote</a:t>
-            </a:r>
-          </a:p>
-          <a:p>
-            <a:r>
-              <a:rPr lang="fr-FR" sz="1400" dirty="0"/>
-              <a:t>	</a:t>
-            </a:r>
-            <a:r>
-              <a:rPr lang="fr-FR" sz="1400" dirty="0" err="1"/>
-              <a:t>gv</a:t>
-            </a:r>
-            <a:r>
-              <a:rPr lang="fr-FR" sz="1400" dirty="0"/>
-              <a:t> : global vote </a:t>
-            </a:r>
-            <a:r>
-              <a:rPr lang="fr-FR" sz="1400" dirty="0" err="1"/>
-              <a:t>result</a:t>
-            </a:r>
-            <a:endParaRPr lang="fr-FR" sz="1400" dirty="0"/>
-          </a:p>
-          <a:p>
-            <a:r>
-              <a:rPr lang="fr-FR" sz="1400" dirty="0"/>
-              <a:t>	v : vote </a:t>
-            </a:r>
-            <a:r>
-              <a:rPr lang="fr-FR" sz="1400" dirty="0" err="1"/>
-              <a:t>result</a:t>
-            </a:r>
-            <a:endParaRPr lang="fr-FR" sz="1400" dirty="0"/>
-          </a:p>
-          <a:p>
-            <a:r>
-              <a:rPr lang="fr-FR" sz="1400" dirty="0"/>
-              <a:t>	s : suspicion</a:t>
-            </a:r>
-          </a:p>
-          <a:p>
-            <a:r>
-              <a:rPr lang="fr-FR" sz="1400" dirty="0"/>
-              <a:t>	j : joueur étudié</a:t>
-            </a:r>
-          </a:p>
-          <a:p>
-            <a:r>
-              <a:rPr lang="fr-FR" sz="1400" dirty="0"/>
-              <a:t>	</a:t>
-            </a:r>
-            <a:r>
-              <a:rPr lang="fr-FR" sz="1400" dirty="0" err="1"/>
-              <a:t>jc</a:t>
-            </a:r>
-            <a:r>
-              <a:rPr lang="fr-FR" sz="1400" dirty="0"/>
-              <a:t> : joueur courant</a:t>
-            </a:r>
-          </a:p>
-          <a:p>
-            <a:endParaRPr lang="fr-FR" sz="1400" dirty="0"/>
-          </a:p>
-          <a:p>
-            <a:r>
-              <a:rPr lang="fr-FR" sz="1400" dirty="0" err="1"/>
-              <a:t>debut</a:t>
-            </a:r>
-            <a:endParaRPr lang="fr-FR" sz="1400" dirty="0"/>
-          </a:p>
-          <a:p>
-            <a:r>
-              <a:rPr lang="fr-FR" sz="1400" dirty="0"/>
-              <a:t>	score = 0</a:t>
-            </a:r>
-          </a:p>
-          <a:p>
-            <a:r>
-              <a:rPr lang="fr-FR" sz="1400" dirty="0"/>
-              <a:t>	si j = </a:t>
-            </a:r>
-            <a:r>
-              <a:rPr lang="fr-FR" sz="1400" dirty="0" err="1"/>
-              <a:t>jc</a:t>
-            </a:r>
-            <a:endParaRPr lang="fr-FR" sz="1400" dirty="0"/>
-          </a:p>
-          <a:p>
-            <a:r>
-              <a:rPr lang="fr-FR" sz="1400" dirty="0"/>
-              <a:t>		score =  MIN_VALUE #Valeur très </a:t>
-            </a:r>
-            <a:r>
-              <a:rPr lang="fr-FR" sz="1400" dirty="0" err="1"/>
-              <a:t>très</a:t>
-            </a:r>
-            <a:r>
-              <a:rPr lang="fr-FR" sz="1400" dirty="0"/>
-              <a:t> faible impossible à atteindre via le </a:t>
-            </a:r>
-            <a:r>
-              <a:rPr lang="fr-FR" sz="1400" dirty="0" err="1"/>
-              <a:t>scoring</a:t>
-            </a:r>
-            <a:endParaRPr lang="fr-FR" sz="1400" dirty="0"/>
-          </a:p>
-          <a:p>
-            <a:r>
-              <a:rPr lang="fr-FR" sz="1400" dirty="0"/>
-              <a:t>	si non </a:t>
-            </a:r>
-          </a:p>
-          <a:p>
-            <a:r>
-              <a:rPr lang="fr-FR" sz="1400" dirty="0"/>
-              <a:t>		score += </a:t>
-            </a:r>
-            <a:r>
-              <a:rPr lang="fr-FR" sz="1400" dirty="0" err="1"/>
-              <a:t>get</a:t>
-            </a:r>
-            <a:r>
-              <a:rPr lang="fr-FR" sz="1400" dirty="0"/>
-              <a:t>-suspicion(s, j) * SUSPICION_FACTEUR</a:t>
-            </a:r>
-          </a:p>
-          <a:p>
-            <a:r>
-              <a:rPr lang="fr-FR" sz="1400" dirty="0"/>
-              <a:t>	retourne score</a:t>
-            </a:r>
-          </a:p>
-          <a:p>
-            <a:r>
-              <a:rPr lang="fr-FR" sz="1400" dirty="0"/>
-              <a:t>fin</a:t>
-            </a:r>
-          </a:p>
-        </p:txBody>
-      </p:sp>
-      <p:sp>
-        <p:nvSpPr>
-          <p:cNvPr id="3" name="Sous-titre 4"/>
-          <p:cNvSpPr>
-            <a:spLocks noGrp="1"/>
-          </p:cNvSpPr>
-          <p:nvPr>
-            <p:ph type="subTitle" idx="1"/>
-          </p:nvPr>
-        </p:nvSpPr>
-        <p:spPr>
-          <a:xfrm>
-            <a:off x="476657" y="279732"/>
-            <a:ext cx="5481584" cy="596869"/>
-          </a:xfrm>
-        </p:spPr>
-        <p:txBody>
-          <a:bodyPr/>
-          <a:lstStyle/>
-          <a:p>
-            <a:pPr algn="l"/>
-            <a:r>
-              <a:rPr lang="fr-FR" dirty="0" smtClean="0"/>
-              <a:t>ALGO SCORE CITIZEN SUSPICION</a:t>
-            </a:r>
-            <a:endParaRPr lang="fr-FR" dirty="0"/>
+              <a:rPr lang="fr-FR" i="1" dirty="0" smtClean="0"/>
+              <a:t>Parties en cours</a:t>
+            </a:r>
+            <a:endParaRPr lang="fr-FR" i="1" dirty="0"/>
+          </a:p>
+        </p:txBody>
+      </p:sp>
+      <p:sp>
+        <p:nvSpPr>
+          <p:cNvPr id="13" name="Rectangle à coins arrondis 12"/>
+          <p:cNvSpPr/>
+          <p:nvPr/>
+        </p:nvSpPr>
+        <p:spPr>
+          <a:xfrm>
+            <a:off x="1331577" y="2012256"/>
+            <a:ext cx="2569214" cy="349259"/>
+          </a:xfrm>
+          <a:prstGeom prst="roundRect">
+            <a:avLst>
+              <a:gd name="adj" fmla="val 0"/>
+            </a:avLst>
+          </a:prstGeom>
+          <a:ln/>
+        </p:spPr>
+        <p:style>
+          <a:lnRef idx="2">
+            <a:schemeClr val="accent5"/>
+          </a:lnRef>
+          <a:fillRef idx="1">
+            <a:schemeClr val="lt1"/>
+          </a:fillRef>
+          <a:effectRef idx="0">
+            <a:schemeClr val="accent5"/>
+          </a:effectRef>
+          <a:fontRef idx="minor">
+            <a:schemeClr val="dk1"/>
+          </a:fontRef>
+        </p:style>
+        <p:txBody>
+          <a:bodyPr rtlCol="0" anchor="ctr"/>
+          <a:lstStyle/>
+          <a:p>
+            <a:r>
+              <a:rPr lang="fr-FR" sz="1200" dirty="0" smtClean="0"/>
+              <a:t>Partie 1</a:t>
+            </a:r>
+            <a:endParaRPr lang="fr-FR" sz="1200" dirty="0"/>
+          </a:p>
+        </p:txBody>
+      </p:sp>
+      <p:sp>
+        <p:nvSpPr>
+          <p:cNvPr id="12" name="Rectangle à coins arrondis 11"/>
+          <p:cNvSpPr/>
+          <p:nvPr/>
+        </p:nvSpPr>
+        <p:spPr>
+          <a:xfrm>
+            <a:off x="1331577" y="2707531"/>
+            <a:ext cx="2569214" cy="349259"/>
+          </a:xfrm>
+          <a:prstGeom prst="roundRect">
+            <a:avLst>
+              <a:gd name="adj" fmla="val 0"/>
+            </a:avLst>
+          </a:prstGeom>
+          <a:ln/>
+        </p:spPr>
+        <p:style>
+          <a:lnRef idx="2">
+            <a:schemeClr val="accent5"/>
+          </a:lnRef>
+          <a:fillRef idx="1">
+            <a:schemeClr val="lt1"/>
+          </a:fillRef>
+          <a:effectRef idx="0">
+            <a:schemeClr val="accent5"/>
+          </a:effectRef>
+          <a:fontRef idx="minor">
+            <a:schemeClr val="dk1"/>
+          </a:fontRef>
+        </p:style>
+        <p:txBody>
+          <a:bodyPr rtlCol="0" anchor="ctr"/>
+          <a:lstStyle/>
+          <a:p>
+            <a:r>
+              <a:rPr lang="fr-FR" sz="1200" dirty="0" smtClean="0"/>
+              <a:t>Partie 3</a:t>
+            </a:r>
+            <a:endParaRPr lang="fr-FR" sz="1200" dirty="0"/>
+          </a:p>
+        </p:txBody>
+      </p:sp>
+      <p:sp>
+        <p:nvSpPr>
+          <p:cNvPr id="14" name="Rectangle à coins arrondis 13"/>
+          <p:cNvSpPr/>
+          <p:nvPr/>
+        </p:nvSpPr>
+        <p:spPr>
+          <a:xfrm>
+            <a:off x="1331577" y="3046054"/>
+            <a:ext cx="2569214" cy="349259"/>
+          </a:xfrm>
+          <a:prstGeom prst="roundRect">
+            <a:avLst>
+              <a:gd name="adj" fmla="val 0"/>
+            </a:avLst>
+          </a:prstGeom>
+          <a:ln/>
+        </p:spPr>
+        <p:style>
+          <a:lnRef idx="2">
+            <a:schemeClr val="accent5"/>
+          </a:lnRef>
+          <a:fillRef idx="1">
+            <a:schemeClr val="lt1"/>
+          </a:fillRef>
+          <a:effectRef idx="0">
+            <a:schemeClr val="accent5"/>
+          </a:effectRef>
+          <a:fontRef idx="minor">
+            <a:schemeClr val="dk1"/>
+          </a:fontRef>
+        </p:style>
+        <p:txBody>
+          <a:bodyPr rtlCol="0" anchor="ctr"/>
+          <a:lstStyle/>
+          <a:p>
+            <a:r>
+              <a:rPr lang="fr-FR" sz="1200" dirty="0" smtClean="0"/>
+              <a:t>Partie 4</a:t>
+            </a:r>
+            <a:endParaRPr lang="fr-FR" sz="1200" dirty="0"/>
+          </a:p>
+        </p:txBody>
+      </p:sp>
+      <p:sp>
+        <p:nvSpPr>
+          <p:cNvPr id="8" name="Rectangle à coins arrondis 7"/>
+          <p:cNvSpPr/>
+          <p:nvPr/>
+        </p:nvSpPr>
+        <p:spPr>
+          <a:xfrm>
+            <a:off x="3039336" y="2006888"/>
+            <a:ext cx="861455" cy="349259"/>
+          </a:xfrm>
+          <a:prstGeom prst="roundRect">
+            <a:avLst>
+              <a:gd name="adj" fmla="val 0"/>
+            </a:avLst>
+          </a:prstGeom>
+          <a:solidFill>
+            <a:schemeClr val="tx2">
+              <a:lumMod val="40000"/>
+              <a:lumOff val="60000"/>
+            </a:schemeClr>
+          </a:solidFill>
+          <a:ln/>
+        </p:spPr>
+        <p:style>
+          <a:lnRef idx="2">
+            <a:schemeClr val="accent5"/>
+          </a:lnRef>
+          <a:fillRef idx="1">
+            <a:schemeClr val="lt1"/>
+          </a:fillRef>
+          <a:effectRef idx="0">
+            <a:schemeClr val="accent5"/>
+          </a:effectRef>
+          <a:fontRef idx="minor">
+            <a:schemeClr val="dk1"/>
+          </a:fontRef>
+        </p:style>
+        <p:txBody>
+          <a:bodyPr rtlCol="0" anchor="ctr"/>
+          <a:lstStyle/>
+          <a:p>
+            <a:pPr algn="ctr"/>
+            <a:r>
+              <a:rPr lang="fr-FR" sz="1200" dirty="0" smtClean="0"/>
+              <a:t>Rejoindre</a:t>
+            </a:r>
+            <a:endParaRPr lang="fr-FR" sz="1200" dirty="0"/>
+          </a:p>
+        </p:txBody>
+      </p:sp>
+      <p:sp>
+        <p:nvSpPr>
+          <p:cNvPr id="15" name="Rectangle à coins arrondis 14"/>
+          <p:cNvSpPr/>
+          <p:nvPr/>
+        </p:nvSpPr>
+        <p:spPr>
+          <a:xfrm>
+            <a:off x="3039335" y="2356147"/>
+            <a:ext cx="861455" cy="349259"/>
+          </a:xfrm>
+          <a:prstGeom prst="roundRect">
+            <a:avLst>
+              <a:gd name="adj" fmla="val 0"/>
+            </a:avLst>
+          </a:prstGeom>
+          <a:solidFill>
+            <a:schemeClr val="tx2">
+              <a:lumMod val="40000"/>
+              <a:lumOff val="60000"/>
+            </a:schemeClr>
+          </a:solidFill>
+          <a:ln/>
+        </p:spPr>
+        <p:style>
+          <a:lnRef idx="2">
+            <a:schemeClr val="accent5"/>
+          </a:lnRef>
+          <a:fillRef idx="1">
+            <a:schemeClr val="lt1"/>
+          </a:fillRef>
+          <a:effectRef idx="0">
+            <a:schemeClr val="accent5"/>
+          </a:effectRef>
+          <a:fontRef idx="minor">
+            <a:schemeClr val="dk1"/>
+          </a:fontRef>
+        </p:style>
+        <p:txBody>
+          <a:bodyPr rtlCol="0" anchor="ctr"/>
+          <a:lstStyle/>
+          <a:p>
+            <a:pPr algn="ctr"/>
+            <a:r>
+              <a:rPr lang="fr-FR" sz="1200" dirty="0" smtClean="0"/>
+              <a:t>Rejoindre</a:t>
+            </a:r>
+            <a:endParaRPr lang="fr-FR" sz="1200" dirty="0"/>
+          </a:p>
+        </p:txBody>
+      </p:sp>
+      <p:sp>
+        <p:nvSpPr>
+          <p:cNvPr id="16" name="Rectangle à coins arrondis 15"/>
+          <p:cNvSpPr/>
+          <p:nvPr/>
+        </p:nvSpPr>
+        <p:spPr>
+          <a:xfrm>
+            <a:off x="3039334" y="2705406"/>
+            <a:ext cx="861455" cy="349259"/>
+          </a:xfrm>
+          <a:prstGeom prst="roundRect">
+            <a:avLst>
+              <a:gd name="adj" fmla="val 0"/>
+            </a:avLst>
+          </a:prstGeom>
+          <a:solidFill>
+            <a:schemeClr val="tx2">
+              <a:lumMod val="40000"/>
+              <a:lumOff val="60000"/>
+            </a:schemeClr>
+          </a:solidFill>
+          <a:ln/>
+        </p:spPr>
+        <p:style>
+          <a:lnRef idx="2">
+            <a:schemeClr val="accent5"/>
+          </a:lnRef>
+          <a:fillRef idx="1">
+            <a:schemeClr val="lt1"/>
+          </a:fillRef>
+          <a:effectRef idx="0">
+            <a:schemeClr val="accent5"/>
+          </a:effectRef>
+          <a:fontRef idx="minor">
+            <a:schemeClr val="dk1"/>
+          </a:fontRef>
+        </p:style>
+        <p:txBody>
+          <a:bodyPr rtlCol="0" anchor="ctr"/>
+          <a:lstStyle/>
+          <a:p>
+            <a:pPr algn="ctr"/>
+            <a:r>
+              <a:rPr lang="fr-FR" sz="1200" dirty="0" smtClean="0"/>
+              <a:t>Rejoindre</a:t>
+            </a:r>
+            <a:endParaRPr lang="fr-FR" sz="1200" dirty="0"/>
+          </a:p>
+        </p:txBody>
+      </p:sp>
+      <p:sp>
+        <p:nvSpPr>
+          <p:cNvPr id="17" name="Rectangle à coins arrondis 16"/>
+          <p:cNvSpPr/>
+          <p:nvPr/>
+        </p:nvSpPr>
+        <p:spPr>
+          <a:xfrm>
+            <a:off x="3039330" y="3056790"/>
+            <a:ext cx="861455" cy="349259"/>
+          </a:xfrm>
+          <a:prstGeom prst="roundRect">
+            <a:avLst>
+              <a:gd name="adj" fmla="val 0"/>
+            </a:avLst>
+          </a:prstGeom>
+          <a:solidFill>
+            <a:schemeClr val="tx2">
+              <a:lumMod val="40000"/>
+              <a:lumOff val="60000"/>
+            </a:schemeClr>
+          </a:solidFill>
+          <a:ln/>
+        </p:spPr>
+        <p:style>
+          <a:lnRef idx="2">
+            <a:schemeClr val="accent5"/>
+          </a:lnRef>
+          <a:fillRef idx="1">
+            <a:schemeClr val="lt1"/>
+          </a:fillRef>
+          <a:effectRef idx="0">
+            <a:schemeClr val="accent5"/>
+          </a:effectRef>
+          <a:fontRef idx="minor">
+            <a:schemeClr val="dk1"/>
+          </a:fontRef>
+        </p:style>
+        <p:txBody>
+          <a:bodyPr rtlCol="0" anchor="ctr"/>
+          <a:lstStyle/>
+          <a:p>
+            <a:pPr algn="ctr"/>
+            <a:r>
+              <a:rPr lang="fr-FR" sz="1200" dirty="0" smtClean="0"/>
+              <a:t>Rejoindre</a:t>
+            </a:r>
+            <a:endParaRPr lang="fr-FR" sz="1200" dirty="0"/>
+          </a:p>
+        </p:txBody>
+      </p:sp>
+      <p:sp>
+        <p:nvSpPr>
+          <p:cNvPr id="18" name="Rectangle à coins arrondis 17"/>
+          <p:cNvSpPr/>
+          <p:nvPr/>
+        </p:nvSpPr>
+        <p:spPr>
+          <a:xfrm>
+            <a:off x="1950094" y="4027863"/>
+            <a:ext cx="1246253" cy="349259"/>
+          </a:xfrm>
+          <a:prstGeom prst="roundRect">
+            <a:avLst>
+              <a:gd name="adj" fmla="val 0"/>
+            </a:avLst>
+          </a:prstGeom>
+          <a:solidFill>
+            <a:schemeClr val="tx2">
+              <a:lumMod val="40000"/>
+              <a:lumOff val="60000"/>
+            </a:schemeClr>
+          </a:solidFill>
+          <a:ln/>
+        </p:spPr>
+        <p:style>
+          <a:lnRef idx="2">
+            <a:schemeClr val="accent5"/>
+          </a:lnRef>
+          <a:fillRef idx="1">
+            <a:schemeClr val="lt1"/>
+          </a:fillRef>
+          <a:effectRef idx="0">
+            <a:schemeClr val="accent5"/>
+          </a:effectRef>
+          <a:fontRef idx="minor">
+            <a:schemeClr val="dk1"/>
+          </a:fontRef>
+        </p:style>
+        <p:txBody>
+          <a:bodyPr rtlCol="0" anchor="ctr"/>
+          <a:lstStyle/>
+          <a:p>
+            <a:pPr algn="ctr"/>
+            <a:r>
+              <a:rPr lang="fr-FR" sz="1200" dirty="0" smtClean="0"/>
+              <a:t>Nouvelle partie</a:t>
+            </a:r>
+            <a:endParaRPr lang="fr-FR" sz="1200" dirty="0"/>
           </a:p>
         </p:txBody>
       </p:sp>
     </p:spTree>
     <p:extLst>
       <p:ext uri="{BB962C8B-B14F-4D97-AF65-F5344CB8AC3E}">
-        <p14:creationId xmlns:p14="http://schemas.microsoft.com/office/powerpoint/2010/main" val="458353506"/>
+        <p14:creationId xmlns:p14="http://schemas.microsoft.com/office/powerpoint/2010/main" val="518525874"/>
       </p:ext>
     </p:extLst>
   </p:cSld>
   <p:clrMapOvr>
     <a:masterClrMapping/>
   </p:clrMapOvr>
-  <p:transition spd="med">
-    <p:pull/>
-  </p:transition>
-  <p:timing>
-    <p:tnLst>
-      <p:par>
-        <p:cTn id="1" dur="indefinite" restart="never" nodeType="tmRoot"/>
-      </p:par>
-    </p:tnLst>
-  </p:timing>
 </p:sld>
 </file>
 
@@ -15029,357 +15446,510 @@
       </p:grpSpPr>
       <p:sp>
         <p:nvSpPr>
-          <p:cNvPr id="4" name="Rectangle 3"/>
-          <p:cNvSpPr/>
-          <p:nvPr/>
-        </p:nvSpPr>
-        <p:spPr>
-          <a:xfrm>
-            <a:off x="476658" y="652485"/>
-            <a:ext cx="11459182" cy="5909310"/>
+          <p:cNvPr id="4" name="Rectangle à coins arrondis 3"/>
+          <p:cNvSpPr/>
+          <p:nvPr/>
+        </p:nvSpPr>
+        <p:spPr>
+          <a:xfrm>
+            <a:off x="856544" y="1159464"/>
+            <a:ext cx="3433354" cy="4210204"/>
+          </a:xfrm>
+          <a:prstGeom prst="roundRect">
+            <a:avLst>
+              <a:gd name="adj" fmla="val 0"/>
+            </a:avLst>
+          </a:prstGeom>
+          <a:ln/>
+        </p:spPr>
+        <p:style>
+          <a:lnRef idx="2">
+            <a:schemeClr val="accent5"/>
+          </a:lnRef>
+          <a:fillRef idx="1">
+            <a:schemeClr val="lt1"/>
+          </a:fillRef>
+          <a:effectRef idx="0">
+            <a:schemeClr val="accent5"/>
+          </a:effectRef>
+          <a:fontRef idx="minor">
+            <a:schemeClr val="dk1"/>
+          </a:fontRef>
+        </p:style>
+        <p:txBody>
+          <a:bodyPr rtlCol="0" anchor="ctr"/>
+          <a:lstStyle/>
+          <a:p>
+            <a:pPr algn="ctr"/>
+            <a:endParaRPr lang="fr-FR" sz="1200" dirty="0"/>
+          </a:p>
+        </p:txBody>
+      </p:sp>
+      <p:sp>
+        <p:nvSpPr>
+          <p:cNvPr id="7" name="Rectangle à coins arrondis 6"/>
+          <p:cNvSpPr/>
+          <p:nvPr/>
+        </p:nvSpPr>
+        <p:spPr>
+          <a:xfrm>
+            <a:off x="2829637" y="2565796"/>
+            <a:ext cx="1090610" cy="349259"/>
+          </a:xfrm>
+          <a:prstGeom prst="roundRect">
+            <a:avLst>
+              <a:gd name="adj" fmla="val 0"/>
+            </a:avLst>
+          </a:prstGeom>
+          <a:ln/>
+        </p:spPr>
+        <p:style>
+          <a:lnRef idx="2">
+            <a:schemeClr val="accent5"/>
+          </a:lnRef>
+          <a:fillRef idx="1">
+            <a:schemeClr val="lt1"/>
+          </a:fillRef>
+          <a:effectRef idx="0">
+            <a:schemeClr val="accent5"/>
+          </a:effectRef>
+          <a:fontRef idx="minor">
+            <a:schemeClr val="dk1"/>
+          </a:fontRef>
+        </p:style>
+        <p:txBody>
+          <a:bodyPr rtlCol="0" anchor="ctr"/>
+          <a:lstStyle/>
+          <a:p>
+            <a:r>
+              <a:rPr lang="fr-FR" sz="1200" dirty="0" smtClean="0"/>
+              <a:t>0</a:t>
+            </a:r>
+            <a:endParaRPr lang="fr-FR" sz="1200" dirty="0"/>
+          </a:p>
+        </p:txBody>
+      </p:sp>
+      <p:sp>
+        <p:nvSpPr>
+          <p:cNvPr id="10" name="ZoneTexte 9"/>
+          <p:cNvSpPr txBox="1"/>
+          <p:nvPr/>
+        </p:nvSpPr>
+        <p:spPr>
+          <a:xfrm>
+            <a:off x="1331577" y="1563389"/>
+            <a:ext cx="2675662" cy="369332"/>
           </a:xfrm>
           <a:prstGeom prst="rect">
             <a:avLst/>
           </a:prstGeom>
-        </p:spPr>
-        <p:txBody>
-          <a:bodyPr wrap="square">
+          <a:noFill/>
+        </p:spPr>
+        <p:txBody>
+          <a:bodyPr wrap="square" rtlCol="0">
             <a:spAutoFit/>
           </a:bodyPr>
           <a:lstStyle/>
           <a:p>
             <a:r>
-              <a:rPr lang="fr-FR" sz="1400" dirty="0"/>
-              <a:t>#lover vote</a:t>
-            </a:r>
-          </a:p>
-          <a:p>
-            <a:r>
-              <a:rPr lang="fr-FR" sz="1400" dirty="0"/>
-              <a:t>entrée : </a:t>
-            </a:r>
-          </a:p>
-          <a:p>
-            <a:r>
-              <a:rPr lang="fr-FR" sz="1400" dirty="0"/>
-              <a:t>	</a:t>
-            </a:r>
-            <a:r>
-              <a:rPr lang="fr-FR" sz="1400" dirty="0" err="1"/>
-              <a:t>rv</a:t>
-            </a:r>
-            <a:r>
-              <a:rPr lang="fr-FR" sz="1400" dirty="0"/>
-              <a:t> : </a:t>
-            </a:r>
-            <a:r>
-              <a:rPr lang="fr-FR" sz="1400" dirty="0" err="1"/>
-              <a:t>request</a:t>
-            </a:r>
-            <a:r>
-              <a:rPr lang="fr-FR" sz="1400" dirty="0"/>
-              <a:t> vote</a:t>
-            </a:r>
-          </a:p>
-          <a:p>
-            <a:r>
-              <a:rPr lang="fr-FR" sz="1400" dirty="0"/>
-              <a:t>	</a:t>
-            </a:r>
-            <a:r>
-              <a:rPr lang="fr-FR" sz="1400" dirty="0" err="1"/>
-              <a:t>gv</a:t>
-            </a:r>
-            <a:r>
-              <a:rPr lang="fr-FR" sz="1400" dirty="0"/>
-              <a:t> : global vote </a:t>
-            </a:r>
-            <a:r>
-              <a:rPr lang="fr-FR" sz="1400" dirty="0" err="1"/>
-              <a:t>result</a:t>
-            </a:r>
-            <a:endParaRPr lang="fr-FR" sz="1400" dirty="0"/>
-          </a:p>
-          <a:p>
-            <a:r>
-              <a:rPr lang="fr-FR" sz="1400" dirty="0"/>
-              <a:t>	v : vote </a:t>
-            </a:r>
-            <a:r>
-              <a:rPr lang="fr-FR" sz="1400" dirty="0" err="1"/>
-              <a:t>result</a:t>
-            </a:r>
-            <a:endParaRPr lang="fr-FR" sz="1400" dirty="0"/>
-          </a:p>
-          <a:p>
-            <a:r>
-              <a:rPr lang="fr-FR" sz="1400" dirty="0"/>
-              <a:t>	s : suspicion</a:t>
-            </a:r>
-          </a:p>
-          <a:p>
-            <a:r>
-              <a:rPr lang="fr-FR" sz="1400" dirty="0"/>
-              <a:t>	j : joueur étudié</a:t>
-            </a:r>
-          </a:p>
-          <a:p>
-            <a:r>
-              <a:rPr lang="fr-FR" sz="1400" dirty="0"/>
-              <a:t>	</a:t>
-            </a:r>
-            <a:r>
-              <a:rPr lang="fr-FR" sz="1400" dirty="0" err="1"/>
-              <a:t>ja</a:t>
-            </a:r>
-            <a:r>
-              <a:rPr lang="fr-FR" sz="1400" dirty="0"/>
-              <a:t> : lover (joueur aimé)</a:t>
-            </a:r>
-          </a:p>
-          <a:p>
-            <a:r>
-              <a:rPr lang="fr-FR" sz="1400" dirty="0"/>
-              <a:t>	</a:t>
-            </a:r>
-            <a:r>
-              <a:rPr lang="fr-FR" sz="1400" dirty="0" err="1"/>
-              <a:t>jc</a:t>
-            </a:r>
-            <a:r>
-              <a:rPr lang="fr-FR" sz="1400" dirty="0"/>
-              <a:t> : joueur courant</a:t>
-            </a:r>
-          </a:p>
-          <a:p>
-            <a:endParaRPr lang="fr-FR" sz="1400" dirty="0"/>
-          </a:p>
-          <a:p>
-            <a:r>
-              <a:rPr lang="fr-FR" sz="1400" dirty="0" err="1"/>
-              <a:t>debut</a:t>
-            </a:r>
-            <a:endParaRPr lang="fr-FR" sz="1400" dirty="0"/>
-          </a:p>
-          <a:p>
-            <a:r>
-              <a:rPr lang="fr-FR" sz="1400" dirty="0"/>
-              <a:t>	score = 0</a:t>
-            </a:r>
-          </a:p>
-          <a:p>
-            <a:r>
-              <a:rPr lang="fr-FR" sz="1400" dirty="0"/>
-              <a:t>	si j = </a:t>
-            </a:r>
-            <a:r>
-              <a:rPr lang="fr-FR" sz="1400" dirty="0" err="1"/>
-              <a:t>jc</a:t>
-            </a:r>
-            <a:r>
-              <a:rPr lang="fr-FR" sz="1400" dirty="0"/>
-              <a:t> </a:t>
-            </a:r>
-          </a:p>
-          <a:p>
-            <a:r>
-              <a:rPr lang="fr-FR" sz="1400" dirty="0"/>
-              <a:t>		score =  MIN_VALUE #Valeur très </a:t>
-            </a:r>
-            <a:r>
-              <a:rPr lang="fr-FR" sz="1400" dirty="0" err="1"/>
-              <a:t>très</a:t>
-            </a:r>
-            <a:r>
-              <a:rPr lang="fr-FR" sz="1400" dirty="0"/>
-              <a:t> faible impossible à atteindre via le </a:t>
-            </a:r>
-            <a:r>
-              <a:rPr lang="fr-FR" sz="1400" dirty="0" err="1"/>
-              <a:t>scoring</a:t>
-            </a:r>
-            <a:endParaRPr lang="fr-FR" sz="1400" dirty="0"/>
-          </a:p>
-          <a:p>
-            <a:r>
-              <a:rPr lang="fr-FR" sz="1400" dirty="0"/>
-              <a:t>	si non </a:t>
-            </a:r>
-          </a:p>
-          <a:p>
-            <a:r>
-              <a:rPr lang="fr-FR" sz="1400" dirty="0"/>
-              <a:t>		si j = </a:t>
-            </a:r>
-            <a:r>
-              <a:rPr lang="fr-FR" sz="1400" dirty="0" err="1"/>
-              <a:t>ja</a:t>
-            </a:r>
-            <a:endParaRPr lang="fr-FR" sz="1400" dirty="0"/>
-          </a:p>
-          <a:p>
-            <a:r>
-              <a:rPr lang="fr-FR" sz="1400" dirty="0"/>
-              <a:t>			score = MIN_VALUE</a:t>
-            </a:r>
-          </a:p>
-          <a:p>
-            <a:r>
-              <a:rPr lang="fr-FR" sz="1400" dirty="0"/>
-              <a:t>		sinon</a:t>
-            </a:r>
-          </a:p>
-          <a:p>
-            <a:r>
-              <a:rPr lang="fr-FR" sz="1400" dirty="0"/>
-              <a:t>			score += </a:t>
-            </a:r>
-            <a:r>
-              <a:rPr lang="fr-FR" sz="1400" dirty="0" err="1"/>
-              <a:t>get</a:t>
-            </a:r>
-            <a:r>
-              <a:rPr lang="fr-FR" sz="1400" dirty="0"/>
-              <a:t>-vote(</a:t>
-            </a:r>
-            <a:r>
-              <a:rPr lang="fr-FR" sz="1400" dirty="0" err="1"/>
-              <a:t>gv</a:t>
-            </a:r>
-            <a:r>
-              <a:rPr lang="fr-FR" sz="1400" dirty="0"/>
-              <a:t>, j, </a:t>
-            </a:r>
-            <a:r>
-              <a:rPr lang="fr-FR" sz="1400" dirty="0" err="1"/>
-              <a:t>ja</a:t>
-            </a:r>
-            <a:r>
-              <a:rPr lang="fr-FR" sz="1400" dirty="0"/>
-              <a:t>) * FACTEUR_GLOBAL_VOTE #combien de fois le joueur a voté contre le joueur aimé depuis le début de partie</a:t>
-            </a:r>
-          </a:p>
-          <a:p>
-            <a:r>
-              <a:rPr lang="fr-FR" sz="1400" dirty="0"/>
-              <a:t>			score += </a:t>
-            </a:r>
-            <a:r>
-              <a:rPr lang="fr-FR" sz="1400" dirty="0" err="1"/>
-              <a:t>get</a:t>
-            </a:r>
-            <a:r>
-              <a:rPr lang="fr-FR" sz="1400" dirty="0"/>
-              <a:t>-vote(v, j, </a:t>
-            </a:r>
-            <a:r>
-              <a:rPr lang="fr-FR" sz="1400" dirty="0" err="1"/>
-              <a:t>ja</a:t>
-            </a:r>
-            <a:r>
-              <a:rPr lang="fr-FR" sz="1400" dirty="0"/>
-              <a:t>) * FACTEUR_VOTE #combien de fois le joueur a voté contre le joueur aimé  depuis le début du tour</a:t>
-            </a:r>
-          </a:p>
-          <a:p>
-            <a:r>
-              <a:rPr lang="fr-FR" sz="1400" dirty="0"/>
-              <a:t>			score += </a:t>
-            </a:r>
-            <a:r>
-              <a:rPr lang="fr-FR" sz="1400" dirty="0" err="1"/>
-              <a:t>get</a:t>
-            </a:r>
-            <a:r>
-              <a:rPr lang="fr-FR" sz="1400" dirty="0"/>
-              <a:t>-vote(v, j) * FACTEUR_VOTE # le nombre de voix contre le joueur</a:t>
-            </a:r>
-          </a:p>
-          <a:p>
-            <a:r>
-              <a:rPr lang="fr-FR" sz="1400" dirty="0"/>
-              <a:t>			score += </a:t>
-            </a:r>
-            <a:r>
-              <a:rPr lang="fr-FR" sz="1400" dirty="0" err="1"/>
-              <a:t>difference</a:t>
-            </a:r>
-            <a:r>
-              <a:rPr lang="fr-FR" sz="1400" dirty="0"/>
-              <a:t>-vote(v, j, </a:t>
-            </a:r>
-            <a:r>
-              <a:rPr lang="fr-FR" sz="1400" dirty="0" err="1"/>
-              <a:t>ja</a:t>
-            </a:r>
-            <a:r>
-              <a:rPr lang="fr-FR" sz="1400" dirty="0"/>
-              <a:t>) * FACTEUR_DIFFERENCE_VOTE # positif si le joueur a plus de voix que le joueur aimé. </a:t>
-            </a:r>
-          </a:p>
-          <a:p>
-            <a:r>
-              <a:rPr lang="fr-FR" sz="1400" dirty="0"/>
-              <a:t>	retourne score</a:t>
-            </a:r>
-          </a:p>
-          <a:p>
-            <a:r>
-              <a:rPr lang="fr-FR" sz="1400" dirty="0"/>
-              <a:t>fin</a:t>
-            </a:r>
-          </a:p>
-        </p:txBody>
-      </p:sp>
-      <p:sp>
-        <p:nvSpPr>
-          <p:cNvPr id="3" name="Sous-titre 4"/>
-          <p:cNvSpPr>
-            <a:spLocks noGrp="1"/>
-          </p:cNvSpPr>
-          <p:nvPr>
-            <p:ph type="subTitle" idx="1"/>
-          </p:nvPr>
-        </p:nvSpPr>
-        <p:spPr>
-          <a:xfrm>
-            <a:off x="476658" y="237318"/>
-            <a:ext cx="5481584" cy="596869"/>
-          </a:xfrm>
-        </p:spPr>
-        <p:txBody>
-          <a:bodyPr/>
-          <a:lstStyle/>
-          <a:p>
-            <a:pPr algn="l"/>
-            <a:r>
-              <a:rPr lang="fr-FR" dirty="0" smtClean="0"/>
-              <a:t>ALGO SCORE LOVER VOTE</a:t>
-            </a:r>
-            <a:endParaRPr lang="fr-FR" dirty="0"/>
+              <a:rPr lang="fr-FR" i="1" dirty="0" smtClean="0"/>
+              <a:t>Nouvelle partie</a:t>
+            </a:r>
+            <a:endParaRPr lang="fr-FR" i="1" dirty="0"/>
+          </a:p>
+        </p:txBody>
+      </p:sp>
+      <p:sp>
+        <p:nvSpPr>
+          <p:cNvPr id="13" name="Rectangle à coins arrondis 12"/>
+          <p:cNvSpPr/>
+          <p:nvPr/>
+        </p:nvSpPr>
+        <p:spPr>
+          <a:xfrm>
+            <a:off x="2829637" y="2216537"/>
+            <a:ext cx="1090610" cy="349259"/>
+          </a:xfrm>
+          <a:prstGeom prst="roundRect">
+            <a:avLst>
+              <a:gd name="adj" fmla="val 0"/>
+            </a:avLst>
+          </a:prstGeom>
+          <a:ln/>
+        </p:spPr>
+        <p:style>
+          <a:lnRef idx="2">
+            <a:schemeClr val="accent5"/>
+          </a:lnRef>
+          <a:fillRef idx="1">
+            <a:schemeClr val="lt1"/>
+          </a:fillRef>
+          <a:effectRef idx="0">
+            <a:schemeClr val="accent5"/>
+          </a:effectRef>
+          <a:fontRef idx="minor">
+            <a:schemeClr val="dk1"/>
+          </a:fontRef>
+        </p:style>
+        <p:txBody>
+          <a:bodyPr rtlCol="0" anchor="ctr"/>
+          <a:lstStyle/>
+          <a:p>
+            <a:r>
+              <a:rPr lang="fr-FR" sz="1200" dirty="0" smtClean="0"/>
+              <a:t>0</a:t>
+            </a:r>
+            <a:endParaRPr lang="fr-FR" sz="1200" dirty="0"/>
+          </a:p>
+        </p:txBody>
+      </p:sp>
+      <p:sp>
+        <p:nvSpPr>
+          <p:cNvPr id="12" name="Rectangle à coins arrondis 11"/>
+          <p:cNvSpPr/>
+          <p:nvPr/>
+        </p:nvSpPr>
+        <p:spPr>
+          <a:xfrm>
+            <a:off x="2829637" y="2911812"/>
+            <a:ext cx="1090610" cy="349259"/>
+          </a:xfrm>
+          <a:prstGeom prst="roundRect">
+            <a:avLst>
+              <a:gd name="adj" fmla="val 0"/>
+            </a:avLst>
+          </a:prstGeom>
+          <a:ln/>
+        </p:spPr>
+        <p:style>
+          <a:lnRef idx="2">
+            <a:schemeClr val="accent5"/>
+          </a:lnRef>
+          <a:fillRef idx="1">
+            <a:schemeClr val="lt1"/>
+          </a:fillRef>
+          <a:effectRef idx="0">
+            <a:schemeClr val="accent5"/>
+          </a:effectRef>
+          <a:fontRef idx="minor">
+            <a:schemeClr val="dk1"/>
+          </a:fontRef>
+        </p:style>
+        <p:txBody>
+          <a:bodyPr rtlCol="0" anchor="ctr"/>
+          <a:lstStyle/>
+          <a:p>
+            <a:r>
+              <a:rPr lang="fr-FR" sz="1200" dirty="0" smtClean="0"/>
+              <a:t>0</a:t>
+            </a:r>
+            <a:endParaRPr lang="fr-FR" sz="1200" dirty="0"/>
+          </a:p>
+        </p:txBody>
+      </p:sp>
+      <p:sp>
+        <p:nvSpPr>
+          <p:cNvPr id="14" name="Rectangle à coins arrondis 13"/>
+          <p:cNvSpPr/>
+          <p:nvPr/>
+        </p:nvSpPr>
+        <p:spPr>
+          <a:xfrm>
+            <a:off x="2829637" y="3250335"/>
+            <a:ext cx="1090610" cy="349259"/>
+          </a:xfrm>
+          <a:prstGeom prst="roundRect">
+            <a:avLst>
+              <a:gd name="adj" fmla="val 0"/>
+            </a:avLst>
+          </a:prstGeom>
+          <a:ln/>
+        </p:spPr>
+        <p:style>
+          <a:lnRef idx="2">
+            <a:schemeClr val="accent5"/>
+          </a:lnRef>
+          <a:fillRef idx="1">
+            <a:schemeClr val="lt1"/>
+          </a:fillRef>
+          <a:effectRef idx="0">
+            <a:schemeClr val="accent5"/>
+          </a:effectRef>
+          <a:fontRef idx="minor">
+            <a:schemeClr val="dk1"/>
+          </a:fontRef>
+        </p:style>
+        <p:txBody>
+          <a:bodyPr rtlCol="0" anchor="ctr"/>
+          <a:lstStyle/>
+          <a:p>
+            <a:r>
+              <a:rPr lang="fr-FR" sz="1200" dirty="0" smtClean="0"/>
+              <a:t>0</a:t>
+            </a:r>
+            <a:endParaRPr lang="fr-FR" sz="1200" dirty="0"/>
+          </a:p>
+        </p:txBody>
+      </p:sp>
+      <p:sp>
+        <p:nvSpPr>
+          <p:cNvPr id="18" name="Rectangle à coins arrondis 17"/>
+          <p:cNvSpPr/>
+          <p:nvPr/>
+        </p:nvSpPr>
+        <p:spPr>
+          <a:xfrm>
+            <a:off x="1950094" y="4799570"/>
+            <a:ext cx="1246253" cy="349259"/>
+          </a:xfrm>
+          <a:prstGeom prst="roundRect">
+            <a:avLst>
+              <a:gd name="adj" fmla="val 0"/>
+            </a:avLst>
+          </a:prstGeom>
+          <a:solidFill>
+            <a:schemeClr val="tx2">
+              <a:lumMod val="40000"/>
+              <a:lumOff val="60000"/>
+            </a:schemeClr>
+          </a:solidFill>
+          <a:ln/>
+        </p:spPr>
+        <p:style>
+          <a:lnRef idx="2">
+            <a:schemeClr val="accent5"/>
+          </a:lnRef>
+          <a:fillRef idx="1">
+            <a:schemeClr val="lt1"/>
+          </a:fillRef>
+          <a:effectRef idx="0">
+            <a:schemeClr val="accent5"/>
+          </a:effectRef>
+          <a:fontRef idx="minor">
+            <a:schemeClr val="dk1"/>
+          </a:fontRef>
+        </p:style>
+        <p:txBody>
+          <a:bodyPr rtlCol="0" anchor="ctr"/>
+          <a:lstStyle/>
+          <a:p>
+            <a:pPr algn="ctr"/>
+            <a:r>
+              <a:rPr lang="fr-FR" sz="1200" dirty="0" smtClean="0"/>
+              <a:t>Créer </a:t>
+            </a:r>
+            <a:r>
+              <a:rPr lang="fr-FR" sz="1200" dirty="0" smtClean="0"/>
+              <a:t>partie</a:t>
+            </a:r>
+            <a:endParaRPr lang="fr-FR" sz="1200" dirty="0"/>
+          </a:p>
+        </p:txBody>
+      </p:sp>
+      <p:sp>
+        <p:nvSpPr>
+          <p:cNvPr id="19" name="ZoneTexte 18"/>
+          <p:cNvSpPr txBox="1"/>
+          <p:nvPr/>
+        </p:nvSpPr>
+        <p:spPr>
+          <a:xfrm>
+            <a:off x="1331577" y="2197773"/>
+            <a:ext cx="1498060" cy="307777"/>
+          </a:xfrm>
+          <a:prstGeom prst="rect">
+            <a:avLst/>
+          </a:prstGeom>
+          <a:noFill/>
+        </p:spPr>
+        <p:txBody>
+          <a:bodyPr wrap="square" rtlCol="0">
+            <a:spAutoFit/>
+          </a:bodyPr>
+          <a:lstStyle/>
+          <a:p>
+            <a:r>
+              <a:rPr lang="fr-FR" sz="1400" i="1" dirty="0" smtClean="0"/>
+              <a:t>WEREWOLF</a:t>
+            </a:r>
+            <a:endParaRPr lang="fr-FR" sz="1400" i="1" dirty="0"/>
+          </a:p>
+        </p:txBody>
+      </p:sp>
+      <p:sp>
+        <p:nvSpPr>
+          <p:cNvPr id="20" name="ZoneTexte 19"/>
+          <p:cNvSpPr txBox="1"/>
+          <p:nvPr/>
+        </p:nvSpPr>
+        <p:spPr>
+          <a:xfrm>
+            <a:off x="1346423" y="2583546"/>
+            <a:ext cx="1498060" cy="307777"/>
+          </a:xfrm>
+          <a:prstGeom prst="rect">
+            <a:avLst/>
+          </a:prstGeom>
+          <a:noFill/>
+        </p:spPr>
+        <p:txBody>
+          <a:bodyPr wrap="square" rtlCol="0">
+            <a:spAutoFit/>
+          </a:bodyPr>
+          <a:lstStyle/>
+          <a:p>
+            <a:r>
+              <a:rPr lang="fr-FR" sz="1400" i="1" dirty="0" smtClean="0"/>
+              <a:t>ROLE X</a:t>
+            </a:r>
+            <a:endParaRPr lang="fr-FR" sz="1400" i="1" dirty="0"/>
+          </a:p>
+        </p:txBody>
+      </p:sp>
+      <p:sp>
+        <p:nvSpPr>
+          <p:cNvPr id="21" name="ZoneTexte 20"/>
+          <p:cNvSpPr txBox="1"/>
+          <p:nvPr/>
+        </p:nvSpPr>
+        <p:spPr>
+          <a:xfrm>
+            <a:off x="1351541" y="2949662"/>
+            <a:ext cx="1498060" cy="307777"/>
+          </a:xfrm>
+          <a:prstGeom prst="rect">
+            <a:avLst/>
+          </a:prstGeom>
+          <a:noFill/>
+        </p:spPr>
+        <p:txBody>
+          <a:bodyPr wrap="square" rtlCol="0">
+            <a:spAutoFit/>
+          </a:bodyPr>
+          <a:lstStyle/>
+          <a:p>
+            <a:r>
+              <a:rPr lang="fr-FR" sz="1400" i="1" dirty="0" smtClean="0"/>
+              <a:t>ROLE XX</a:t>
+            </a:r>
+            <a:endParaRPr lang="fr-FR" sz="1400" i="1" dirty="0"/>
+          </a:p>
+        </p:txBody>
+      </p:sp>
+      <p:sp>
+        <p:nvSpPr>
+          <p:cNvPr id="22" name="ZoneTexte 21"/>
+          <p:cNvSpPr txBox="1"/>
+          <p:nvPr/>
+        </p:nvSpPr>
+        <p:spPr>
+          <a:xfrm>
+            <a:off x="1351541" y="3315778"/>
+            <a:ext cx="1498060" cy="307777"/>
+          </a:xfrm>
+          <a:prstGeom prst="rect">
+            <a:avLst/>
+          </a:prstGeom>
+          <a:noFill/>
+        </p:spPr>
+        <p:txBody>
+          <a:bodyPr wrap="square" rtlCol="0">
+            <a:spAutoFit/>
+          </a:bodyPr>
+          <a:lstStyle/>
+          <a:p>
+            <a:r>
+              <a:rPr lang="fr-FR" sz="1400" i="1" dirty="0" smtClean="0"/>
+              <a:t>ROLE XXX</a:t>
+            </a:r>
+            <a:endParaRPr lang="fr-FR" sz="1400" i="1" dirty="0"/>
+          </a:p>
+        </p:txBody>
+      </p:sp>
+      <p:sp>
+        <p:nvSpPr>
+          <p:cNvPr id="23" name="Rectangle à coins arrondis 22"/>
+          <p:cNvSpPr/>
+          <p:nvPr/>
+        </p:nvSpPr>
+        <p:spPr>
+          <a:xfrm>
+            <a:off x="2829637" y="4024952"/>
+            <a:ext cx="1090610" cy="349259"/>
+          </a:xfrm>
+          <a:prstGeom prst="roundRect">
+            <a:avLst>
+              <a:gd name="adj" fmla="val 0"/>
+            </a:avLst>
+          </a:prstGeom>
+          <a:ln/>
+        </p:spPr>
+        <p:style>
+          <a:lnRef idx="2">
+            <a:schemeClr val="accent5"/>
+          </a:lnRef>
+          <a:fillRef idx="1">
+            <a:schemeClr val="lt1"/>
+          </a:fillRef>
+          <a:effectRef idx="0">
+            <a:schemeClr val="accent5"/>
+          </a:effectRef>
+          <a:fontRef idx="minor">
+            <a:schemeClr val="dk1"/>
+          </a:fontRef>
+        </p:style>
+        <p:txBody>
+          <a:bodyPr rtlCol="0" anchor="ctr"/>
+          <a:lstStyle/>
+          <a:p>
+            <a:r>
+              <a:rPr lang="fr-FR" sz="1200" dirty="0" smtClean="0"/>
+              <a:t>0</a:t>
+            </a:r>
+            <a:endParaRPr lang="fr-FR" sz="1200" dirty="0"/>
+          </a:p>
+        </p:txBody>
+      </p:sp>
+      <p:sp>
+        <p:nvSpPr>
+          <p:cNvPr id="24" name="ZoneTexte 23"/>
+          <p:cNvSpPr txBox="1"/>
+          <p:nvPr/>
+        </p:nvSpPr>
+        <p:spPr>
+          <a:xfrm>
+            <a:off x="1331577" y="4033713"/>
+            <a:ext cx="1498060" cy="307777"/>
+          </a:xfrm>
+          <a:prstGeom prst="rect">
+            <a:avLst/>
+          </a:prstGeom>
+          <a:noFill/>
+        </p:spPr>
+        <p:txBody>
+          <a:bodyPr wrap="square" rtlCol="0">
+            <a:spAutoFit/>
+          </a:bodyPr>
+          <a:lstStyle/>
+          <a:p>
+            <a:r>
+              <a:rPr lang="fr-FR" sz="1400" i="1" dirty="0" smtClean="0"/>
+              <a:t>NB HUMAINS </a:t>
+            </a:r>
+            <a:endParaRPr lang="fr-FR" sz="1400" i="1" dirty="0"/>
           </a:p>
         </p:txBody>
       </p:sp>
     </p:spTree>
     <p:extLst>
       <p:ext uri="{BB962C8B-B14F-4D97-AF65-F5344CB8AC3E}">
-        <p14:creationId xmlns:p14="http://schemas.microsoft.com/office/powerpoint/2010/main" val="1606059040"/>
+        <p14:creationId xmlns:p14="http://schemas.microsoft.com/office/powerpoint/2010/main" val="1099563722"/>
       </p:ext>
     </p:extLst>
   </p:cSld>
   <p:clrMapOvr>
     <a:masterClrMapping/>
   </p:clrMapOvr>
-  <p:transition spd="med">
-    <p:pull/>
-  </p:transition>
-  <p:timing>
-    <p:tnLst>
-      <p:par>
-        <p:cTn id="1" dur="indefinite" restart="never" nodeType="tmRoot"/>
-      </p:par>
-    </p:tnLst>
-  </p:timing>
 </p:sld>
 </file>
 
@@ -16355,6 +16925,1643 @@
 </file>
 
 <file path=ppt/slides/slide30.xml><?xml version="1.0" encoding="utf-8"?>
+<p:sld xmlns:a="http://schemas.openxmlformats.org/drawingml/2006/main" xmlns:r="http://schemas.openxmlformats.org/officeDocument/2006/relationships" xmlns:p="http://schemas.openxmlformats.org/presentationml/2006/main">
+  <p:cSld>
+    <p:spTree>
+      <p:nvGrpSpPr>
+        <p:cNvPr id="1" name=""/>
+        <p:cNvGrpSpPr/>
+        <p:nvPr/>
+      </p:nvGrpSpPr>
+      <p:grpSpPr>
+        <a:xfrm>
+          <a:off x="0" y="0"/>
+          <a:ext cx="0" cy="0"/>
+          <a:chOff x="0" y="0"/>
+          <a:chExt cx="0" cy="0"/>
+        </a:xfrm>
+      </p:grpSpPr>
+      <p:sp>
+        <p:nvSpPr>
+          <p:cNvPr id="4" name="Rectangle à coins arrondis 3"/>
+          <p:cNvSpPr/>
+          <p:nvPr/>
+        </p:nvSpPr>
+        <p:spPr>
+          <a:xfrm>
+            <a:off x="856543" y="1159464"/>
+            <a:ext cx="6303013" cy="4210204"/>
+          </a:xfrm>
+          <a:prstGeom prst="roundRect">
+            <a:avLst>
+              <a:gd name="adj" fmla="val 0"/>
+            </a:avLst>
+          </a:prstGeom>
+          <a:ln/>
+        </p:spPr>
+        <p:style>
+          <a:lnRef idx="2">
+            <a:schemeClr val="accent5"/>
+          </a:lnRef>
+          <a:fillRef idx="1">
+            <a:schemeClr val="lt1"/>
+          </a:fillRef>
+          <a:effectRef idx="0">
+            <a:schemeClr val="accent5"/>
+          </a:effectRef>
+          <a:fontRef idx="minor">
+            <a:schemeClr val="dk1"/>
+          </a:fontRef>
+        </p:style>
+        <p:txBody>
+          <a:bodyPr rtlCol="0" anchor="ctr"/>
+          <a:lstStyle/>
+          <a:p>
+            <a:pPr algn="ctr"/>
+            <a:endParaRPr lang="fr-FR" sz="1200" dirty="0"/>
+          </a:p>
+        </p:txBody>
+      </p:sp>
+      <p:sp>
+        <p:nvSpPr>
+          <p:cNvPr id="7" name="Rectangle à coins arrondis 6"/>
+          <p:cNvSpPr/>
+          <p:nvPr/>
+        </p:nvSpPr>
+        <p:spPr>
+          <a:xfrm>
+            <a:off x="4695679" y="2107351"/>
+            <a:ext cx="2181220" cy="1686436"/>
+          </a:xfrm>
+          <a:prstGeom prst="roundRect">
+            <a:avLst>
+              <a:gd name="adj" fmla="val 0"/>
+            </a:avLst>
+          </a:prstGeom>
+          <a:ln/>
+        </p:spPr>
+        <p:style>
+          <a:lnRef idx="2">
+            <a:schemeClr val="accent5"/>
+          </a:lnRef>
+          <a:fillRef idx="1">
+            <a:schemeClr val="lt1"/>
+          </a:fillRef>
+          <a:effectRef idx="0">
+            <a:schemeClr val="accent5"/>
+          </a:effectRef>
+          <a:fontRef idx="minor">
+            <a:schemeClr val="dk1"/>
+          </a:fontRef>
+        </p:style>
+        <p:txBody>
+          <a:bodyPr rtlCol="0" anchor="ctr"/>
+          <a:lstStyle/>
+          <a:p>
+            <a:r>
+              <a:rPr lang="fr-FR" sz="1200" dirty="0" smtClean="0"/>
+              <a:t>Logs </a:t>
+            </a:r>
+            <a:endParaRPr lang="fr-FR" sz="1200" dirty="0"/>
+          </a:p>
+        </p:txBody>
+      </p:sp>
+      <p:sp>
+        <p:nvSpPr>
+          <p:cNvPr id="13" name="Rectangle à coins arrondis 12"/>
+          <p:cNvSpPr/>
+          <p:nvPr/>
+        </p:nvSpPr>
+        <p:spPr>
+          <a:xfrm>
+            <a:off x="1138135" y="1458778"/>
+            <a:ext cx="5738763" cy="349259"/>
+          </a:xfrm>
+          <a:prstGeom prst="roundRect">
+            <a:avLst>
+              <a:gd name="adj" fmla="val 0"/>
+            </a:avLst>
+          </a:prstGeom>
+          <a:ln/>
+        </p:spPr>
+        <p:style>
+          <a:lnRef idx="2">
+            <a:schemeClr val="accent5"/>
+          </a:lnRef>
+          <a:fillRef idx="1">
+            <a:schemeClr val="lt1"/>
+          </a:fillRef>
+          <a:effectRef idx="0">
+            <a:schemeClr val="accent5"/>
+          </a:effectRef>
+          <a:fontRef idx="minor">
+            <a:schemeClr val="dk1"/>
+          </a:fontRef>
+        </p:style>
+        <p:txBody>
+          <a:bodyPr rtlCol="0" anchor="ctr"/>
+          <a:lstStyle/>
+          <a:p>
+            <a:r>
+              <a:rPr lang="fr-FR" sz="1200" dirty="0" smtClean="0"/>
+              <a:t>ETAT DU JEU (JOUR NUIT…)</a:t>
+            </a:r>
+            <a:endParaRPr lang="fr-FR" sz="1200" dirty="0"/>
+          </a:p>
+        </p:txBody>
+      </p:sp>
+      <p:sp>
+        <p:nvSpPr>
+          <p:cNvPr id="12" name="Rectangle à coins arrondis 11"/>
+          <p:cNvSpPr/>
+          <p:nvPr/>
+        </p:nvSpPr>
+        <p:spPr>
+          <a:xfrm>
+            <a:off x="4695679" y="3918471"/>
+            <a:ext cx="2181220" cy="1266372"/>
+          </a:xfrm>
+          <a:prstGeom prst="roundRect">
+            <a:avLst>
+              <a:gd name="adj" fmla="val 0"/>
+            </a:avLst>
+          </a:prstGeom>
+          <a:ln/>
+        </p:spPr>
+        <p:style>
+          <a:lnRef idx="2">
+            <a:schemeClr val="accent5"/>
+          </a:lnRef>
+          <a:fillRef idx="1">
+            <a:schemeClr val="lt1"/>
+          </a:fillRef>
+          <a:effectRef idx="0">
+            <a:schemeClr val="accent5"/>
+          </a:effectRef>
+          <a:fontRef idx="minor">
+            <a:schemeClr val="dk1"/>
+          </a:fontRef>
+        </p:style>
+        <p:txBody>
+          <a:bodyPr rtlCol="0" anchor="ctr"/>
+          <a:lstStyle/>
+          <a:p>
+            <a:r>
+              <a:rPr lang="fr-FR" sz="1200" dirty="0" smtClean="0"/>
+              <a:t>PLAYER 1 : 0</a:t>
+            </a:r>
+          </a:p>
+          <a:p>
+            <a:r>
+              <a:rPr lang="fr-FR" sz="1200" dirty="0" smtClean="0"/>
+              <a:t>PLAYER 2 : 5</a:t>
+            </a:r>
+          </a:p>
+          <a:p>
+            <a:r>
+              <a:rPr lang="fr-FR" sz="1200" dirty="0" smtClean="0"/>
+              <a:t>PLAYER 3 : 1</a:t>
+            </a:r>
+          </a:p>
+          <a:p>
+            <a:r>
+              <a:rPr lang="fr-FR" sz="1200" dirty="0" smtClean="0"/>
+              <a:t>….</a:t>
+            </a:r>
+            <a:endParaRPr lang="fr-FR" sz="1200" dirty="0"/>
+          </a:p>
+        </p:txBody>
+      </p:sp>
+      <p:sp>
+        <p:nvSpPr>
+          <p:cNvPr id="14" name="Rectangle à coins arrondis 13"/>
+          <p:cNvSpPr/>
+          <p:nvPr/>
+        </p:nvSpPr>
+        <p:spPr>
+          <a:xfrm>
+            <a:off x="1138136" y="2107351"/>
+            <a:ext cx="3424136" cy="3077492"/>
+          </a:xfrm>
+          <a:prstGeom prst="roundRect">
+            <a:avLst>
+              <a:gd name="adj" fmla="val 0"/>
+            </a:avLst>
+          </a:prstGeom>
+          <a:ln/>
+        </p:spPr>
+        <p:style>
+          <a:lnRef idx="2">
+            <a:schemeClr val="accent5"/>
+          </a:lnRef>
+          <a:fillRef idx="1">
+            <a:schemeClr val="lt1"/>
+          </a:fillRef>
+          <a:effectRef idx="0">
+            <a:schemeClr val="accent5"/>
+          </a:effectRef>
+          <a:fontRef idx="minor">
+            <a:schemeClr val="dk1"/>
+          </a:fontRef>
+        </p:style>
+        <p:txBody>
+          <a:bodyPr rtlCol="0" anchor="ctr"/>
+          <a:lstStyle/>
+          <a:p>
+            <a:pPr algn="ctr"/>
+            <a:r>
+              <a:rPr lang="fr-FR" sz="1200" dirty="0" err="1" smtClean="0"/>
+              <a:t>map</a:t>
+            </a:r>
+            <a:endParaRPr lang="fr-FR" sz="1200" dirty="0"/>
+          </a:p>
+        </p:txBody>
+      </p:sp>
+    </p:spTree>
+    <p:extLst>
+      <p:ext uri="{BB962C8B-B14F-4D97-AF65-F5344CB8AC3E}">
+        <p14:creationId xmlns:p14="http://schemas.microsoft.com/office/powerpoint/2010/main" val="881054304"/>
+      </p:ext>
+    </p:extLst>
+  </p:cSld>
+  <p:clrMapOvr>
+    <a:masterClrMapping/>
+  </p:clrMapOvr>
+</p:sld>
+</file>
+
+<file path=ppt/slides/slide31.xml><?xml version="1.0" encoding="utf-8"?>
+<p:sld xmlns:a="http://schemas.openxmlformats.org/drawingml/2006/main" xmlns:r="http://schemas.openxmlformats.org/officeDocument/2006/relationships" xmlns:p="http://schemas.openxmlformats.org/presentationml/2006/main">
+  <p:cSld>
+    <p:spTree>
+      <p:nvGrpSpPr>
+        <p:cNvPr id="1" name=""/>
+        <p:cNvGrpSpPr/>
+        <p:nvPr/>
+      </p:nvGrpSpPr>
+      <p:grpSpPr>
+        <a:xfrm>
+          <a:off x="0" y="0"/>
+          <a:ext cx="0" cy="0"/>
+          <a:chOff x="0" y="0"/>
+          <a:chExt cx="0" cy="0"/>
+        </a:xfrm>
+      </p:grpSpPr>
+      <p:sp>
+        <p:nvSpPr>
+          <p:cNvPr id="4" name="Rectangle à coins arrondis 3"/>
+          <p:cNvSpPr/>
+          <p:nvPr/>
+        </p:nvSpPr>
+        <p:spPr>
+          <a:xfrm>
+            <a:off x="856542" y="1159464"/>
+            <a:ext cx="9153219" cy="4210204"/>
+          </a:xfrm>
+          <a:prstGeom prst="roundRect">
+            <a:avLst>
+              <a:gd name="adj" fmla="val 0"/>
+            </a:avLst>
+          </a:prstGeom>
+          <a:ln/>
+        </p:spPr>
+        <p:style>
+          <a:lnRef idx="2">
+            <a:schemeClr val="accent5"/>
+          </a:lnRef>
+          <a:fillRef idx="1">
+            <a:schemeClr val="lt1"/>
+          </a:fillRef>
+          <a:effectRef idx="0">
+            <a:schemeClr val="accent5"/>
+          </a:effectRef>
+          <a:fontRef idx="minor">
+            <a:schemeClr val="dk1"/>
+          </a:fontRef>
+        </p:style>
+        <p:txBody>
+          <a:bodyPr rtlCol="0" anchor="ctr"/>
+          <a:lstStyle/>
+          <a:p>
+            <a:pPr algn="ctr"/>
+            <a:endParaRPr lang="fr-FR" sz="1200" dirty="0"/>
+          </a:p>
+        </p:txBody>
+      </p:sp>
+      <p:sp>
+        <p:nvSpPr>
+          <p:cNvPr id="7" name="Rectangle à coins arrondis 6"/>
+          <p:cNvSpPr/>
+          <p:nvPr/>
+        </p:nvSpPr>
+        <p:spPr>
+          <a:xfrm>
+            <a:off x="4695679" y="2107351"/>
+            <a:ext cx="2181220" cy="1686436"/>
+          </a:xfrm>
+          <a:prstGeom prst="roundRect">
+            <a:avLst>
+              <a:gd name="adj" fmla="val 0"/>
+            </a:avLst>
+          </a:prstGeom>
+          <a:ln/>
+        </p:spPr>
+        <p:style>
+          <a:lnRef idx="2">
+            <a:schemeClr val="accent5"/>
+          </a:lnRef>
+          <a:fillRef idx="1">
+            <a:schemeClr val="lt1"/>
+          </a:fillRef>
+          <a:effectRef idx="0">
+            <a:schemeClr val="accent5"/>
+          </a:effectRef>
+          <a:fontRef idx="minor">
+            <a:schemeClr val="dk1"/>
+          </a:fontRef>
+        </p:style>
+        <p:txBody>
+          <a:bodyPr rtlCol="0" anchor="ctr"/>
+          <a:lstStyle/>
+          <a:p>
+            <a:r>
+              <a:rPr lang="fr-FR" sz="1200" dirty="0" smtClean="0"/>
+              <a:t>Logs </a:t>
+            </a:r>
+            <a:endParaRPr lang="fr-FR" sz="1200" dirty="0"/>
+          </a:p>
+        </p:txBody>
+      </p:sp>
+      <p:sp>
+        <p:nvSpPr>
+          <p:cNvPr id="13" name="Rectangle à coins arrondis 12"/>
+          <p:cNvSpPr/>
+          <p:nvPr/>
+        </p:nvSpPr>
+        <p:spPr>
+          <a:xfrm>
+            <a:off x="1138135" y="1458778"/>
+            <a:ext cx="5738763" cy="349259"/>
+          </a:xfrm>
+          <a:prstGeom prst="roundRect">
+            <a:avLst>
+              <a:gd name="adj" fmla="val 0"/>
+            </a:avLst>
+          </a:prstGeom>
+          <a:ln/>
+        </p:spPr>
+        <p:style>
+          <a:lnRef idx="2">
+            <a:schemeClr val="accent5"/>
+          </a:lnRef>
+          <a:fillRef idx="1">
+            <a:schemeClr val="lt1"/>
+          </a:fillRef>
+          <a:effectRef idx="0">
+            <a:schemeClr val="accent5"/>
+          </a:effectRef>
+          <a:fontRef idx="minor">
+            <a:schemeClr val="dk1"/>
+          </a:fontRef>
+        </p:style>
+        <p:txBody>
+          <a:bodyPr rtlCol="0" anchor="ctr"/>
+          <a:lstStyle/>
+          <a:p>
+            <a:r>
+              <a:rPr lang="fr-FR" sz="1200" dirty="0" smtClean="0"/>
+              <a:t>ETAT DU JEU (JOUR NUIT…)</a:t>
+            </a:r>
+            <a:endParaRPr lang="fr-FR" sz="1200" dirty="0"/>
+          </a:p>
+        </p:txBody>
+      </p:sp>
+      <p:sp>
+        <p:nvSpPr>
+          <p:cNvPr id="12" name="Rectangle à coins arrondis 11"/>
+          <p:cNvSpPr/>
+          <p:nvPr/>
+        </p:nvSpPr>
+        <p:spPr>
+          <a:xfrm>
+            <a:off x="4695679" y="3918471"/>
+            <a:ext cx="2181220" cy="1266372"/>
+          </a:xfrm>
+          <a:prstGeom prst="roundRect">
+            <a:avLst>
+              <a:gd name="adj" fmla="val 0"/>
+            </a:avLst>
+          </a:prstGeom>
+          <a:ln/>
+        </p:spPr>
+        <p:style>
+          <a:lnRef idx="2">
+            <a:schemeClr val="accent5"/>
+          </a:lnRef>
+          <a:fillRef idx="1">
+            <a:schemeClr val="lt1"/>
+          </a:fillRef>
+          <a:effectRef idx="0">
+            <a:schemeClr val="accent5"/>
+          </a:effectRef>
+          <a:fontRef idx="minor">
+            <a:schemeClr val="dk1"/>
+          </a:fontRef>
+        </p:style>
+        <p:txBody>
+          <a:bodyPr rtlCol="0" anchor="ctr"/>
+          <a:lstStyle/>
+          <a:p>
+            <a:r>
+              <a:rPr lang="fr-FR" sz="1200" dirty="0" smtClean="0"/>
+              <a:t>PLAYER 1 : 0</a:t>
+            </a:r>
+          </a:p>
+          <a:p>
+            <a:r>
+              <a:rPr lang="fr-FR" sz="1200" dirty="0" smtClean="0"/>
+              <a:t>PLAYER 2 : 5</a:t>
+            </a:r>
+          </a:p>
+          <a:p>
+            <a:r>
+              <a:rPr lang="fr-FR" sz="1200" dirty="0" smtClean="0"/>
+              <a:t>PLAYER 3 : 1</a:t>
+            </a:r>
+          </a:p>
+          <a:p>
+            <a:r>
+              <a:rPr lang="fr-FR" sz="1200" dirty="0" smtClean="0"/>
+              <a:t>….</a:t>
+            </a:r>
+            <a:endParaRPr lang="fr-FR" sz="1200" dirty="0"/>
+          </a:p>
+        </p:txBody>
+      </p:sp>
+      <p:sp>
+        <p:nvSpPr>
+          <p:cNvPr id="14" name="Rectangle à coins arrondis 13"/>
+          <p:cNvSpPr/>
+          <p:nvPr/>
+        </p:nvSpPr>
+        <p:spPr>
+          <a:xfrm>
+            <a:off x="1138136" y="2107351"/>
+            <a:ext cx="3424136" cy="3077492"/>
+          </a:xfrm>
+          <a:prstGeom prst="roundRect">
+            <a:avLst>
+              <a:gd name="adj" fmla="val 0"/>
+            </a:avLst>
+          </a:prstGeom>
+          <a:ln/>
+        </p:spPr>
+        <p:style>
+          <a:lnRef idx="2">
+            <a:schemeClr val="accent5"/>
+          </a:lnRef>
+          <a:fillRef idx="1">
+            <a:schemeClr val="lt1"/>
+          </a:fillRef>
+          <a:effectRef idx="0">
+            <a:schemeClr val="accent5"/>
+          </a:effectRef>
+          <a:fontRef idx="minor">
+            <a:schemeClr val="dk1"/>
+          </a:fontRef>
+        </p:style>
+        <p:txBody>
+          <a:bodyPr rtlCol="0" anchor="ctr"/>
+          <a:lstStyle/>
+          <a:p>
+            <a:pPr algn="ctr"/>
+            <a:r>
+              <a:rPr lang="fr-FR" sz="1200" dirty="0" err="1" smtClean="0"/>
+              <a:t>map</a:t>
+            </a:r>
+            <a:endParaRPr lang="fr-FR" sz="1200" dirty="0"/>
+          </a:p>
+        </p:txBody>
+      </p:sp>
+      <p:sp>
+        <p:nvSpPr>
+          <p:cNvPr id="8" name="Rectangle à coins arrondis 7"/>
+          <p:cNvSpPr/>
+          <p:nvPr/>
+        </p:nvSpPr>
+        <p:spPr>
+          <a:xfrm>
+            <a:off x="7352720" y="2631380"/>
+            <a:ext cx="2181220" cy="1266372"/>
+          </a:xfrm>
+          <a:prstGeom prst="roundRect">
+            <a:avLst>
+              <a:gd name="adj" fmla="val 0"/>
+            </a:avLst>
+          </a:prstGeom>
+          <a:ln/>
+        </p:spPr>
+        <p:style>
+          <a:lnRef idx="2">
+            <a:schemeClr val="accent5"/>
+          </a:lnRef>
+          <a:fillRef idx="1">
+            <a:schemeClr val="lt1"/>
+          </a:fillRef>
+          <a:effectRef idx="0">
+            <a:schemeClr val="accent5"/>
+          </a:effectRef>
+          <a:fontRef idx="minor">
+            <a:schemeClr val="dk1"/>
+          </a:fontRef>
+        </p:style>
+        <p:txBody>
+          <a:bodyPr rtlCol="0" anchor="ctr"/>
+          <a:lstStyle/>
+          <a:p>
+            <a:r>
+              <a:rPr lang="fr-FR" sz="1200" dirty="0" smtClean="0"/>
+              <a:t>Interface joueur humain</a:t>
+            </a:r>
+            <a:endParaRPr lang="fr-FR" sz="1200" dirty="0"/>
+          </a:p>
+        </p:txBody>
+      </p:sp>
+    </p:spTree>
+    <p:extLst>
+      <p:ext uri="{BB962C8B-B14F-4D97-AF65-F5344CB8AC3E}">
+        <p14:creationId xmlns:p14="http://schemas.microsoft.com/office/powerpoint/2010/main" val="671908427"/>
+      </p:ext>
+    </p:extLst>
+  </p:cSld>
+  <p:clrMapOvr>
+    <a:masterClrMapping/>
+  </p:clrMapOvr>
+</p:sld>
+</file>
+
+<file path=ppt/slides/slide32.xml><?xml version="1.0" encoding="utf-8"?>
+<p:sld xmlns:a="http://schemas.openxmlformats.org/drawingml/2006/main" xmlns:r="http://schemas.openxmlformats.org/officeDocument/2006/relationships" xmlns:p="http://schemas.openxmlformats.org/presentationml/2006/main">
+  <p:cSld>
+    <p:spTree>
+      <p:nvGrpSpPr>
+        <p:cNvPr id="1" name=""/>
+        <p:cNvGrpSpPr/>
+        <p:nvPr/>
+      </p:nvGrpSpPr>
+      <p:grpSpPr>
+        <a:xfrm>
+          <a:off x="0" y="0"/>
+          <a:ext cx="0" cy="0"/>
+          <a:chOff x="0" y="0"/>
+          <a:chExt cx="0" cy="0"/>
+        </a:xfrm>
+      </p:grpSpPr>
+      <p:sp>
+        <p:nvSpPr>
+          <p:cNvPr id="4" name="Titre 3"/>
+          <p:cNvSpPr>
+            <a:spLocks noGrp="1"/>
+          </p:cNvSpPr>
+          <p:nvPr>
+            <p:ph type="ctrTitle"/>
+          </p:nvPr>
+        </p:nvSpPr>
+        <p:spPr>
+          <a:xfrm>
+            <a:off x="1498121" y="2079895"/>
+            <a:ext cx="9144000" cy="2387600"/>
+          </a:xfrm>
+        </p:spPr>
+        <p:txBody>
+          <a:bodyPr/>
+          <a:lstStyle/>
+          <a:p>
+            <a:r>
+              <a:rPr lang="fr-FR" dirty="0" smtClean="0"/>
+              <a:t>ALGOS</a:t>
+            </a:r>
+            <a:endParaRPr lang="fr-FR" dirty="0"/>
+          </a:p>
+        </p:txBody>
+      </p:sp>
+    </p:spTree>
+    <p:extLst>
+      <p:ext uri="{BB962C8B-B14F-4D97-AF65-F5344CB8AC3E}">
+        <p14:creationId xmlns:p14="http://schemas.microsoft.com/office/powerpoint/2010/main" val="819431695"/>
+      </p:ext>
+    </p:extLst>
+  </p:cSld>
+  <p:clrMapOvr>
+    <a:masterClrMapping/>
+  </p:clrMapOvr>
+  <p:transition spd="med">
+    <p:pull/>
+  </p:transition>
+  <p:timing>
+    <p:tnLst>
+      <p:par>
+        <p:cTn id="1" dur="indefinite" restart="never" nodeType="tmRoot"/>
+      </p:par>
+    </p:tnLst>
+  </p:timing>
+</p:sld>
+</file>
+
+<file path=ppt/slides/slide33.xml><?xml version="1.0" encoding="utf-8"?>
+<p:sld xmlns:a="http://schemas.openxmlformats.org/drawingml/2006/main" xmlns:r="http://schemas.openxmlformats.org/officeDocument/2006/relationships" xmlns:p="http://schemas.openxmlformats.org/presentationml/2006/main">
+  <p:cSld>
+    <p:spTree>
+      <p:nvGrpSpPr>
+        <p:cNvPr id="1" name=""/>
+        <p:cNvGrpSpPr/>
+        <p:nvPr/>
+      </p:nvGrpSpPr>
+      <p:grpSpPr>
+        <a:xfrm>
+          <a:off x="0" y="0"/>
+          <a:ext cx="0" cy="0"/>
+          <a:chOff x="0" y="0"/>
+          <a:chExt cx="0" cy="0"/>
+        </a:xfrm>
+      </p:grpSpPr>
+      <p:sp>
+        <p:nvSpPr>
+          <p:cNvPr id="4" name="Rectangle 3"/>
+          <p:cNvSpPr/>
+          <p:nvPr/>
+        </p:nvSpPr>
+        <p:spPr>
+          <a:xfrm>
+            <a:off x="476657" y="1012409"/>
+            <a:ext cx="11459182" cy="5047536"/>
+          </a:xfrm>
+          <a:prstGeom prst="rect">
+            <a:avLst/>
+          </a:prstGeom>
+        </p:spPr>
+        <p:txBody>
+          <a:bodyPr wrap="square">
+            <a:spAutoFit/>
+          </a:bodyPr>
+          <a:lstStyle/>
+          <a:p>
+            <a:r>
+              <a:rPr lang="fr-FR" sz="1400" dirty="0" smtClean="0"/>
+              <a:t>#</a:t>
+            </a:r>
+            <a:r>
+              <a:rPr lang="fr-FR" sz="1400" dirty="0" err="1" smtClean="0"/>
+              <a:t>citizen</a:t>
+            </a:r>
+            <a:r>
+              <a:rPr lang="fr-FR" sz="1400" dirty="0" smtClean="0"/>
+              <a:t> vote</a:t>
+            </a:r>
+            <a:endParaRPr lang="fr-FR" sz="1400" dirty="0"/>
+          </a:p>
+          <a:p>
+            <a:r>
+              <a:rPr lang="fr-FR" sz="1400" dirty="0"/>
+              <a:t>entrée : </a:t>
+            </a:r>
+          </a:p>
+          <a:p>
+            <a:r>
+              <a:rPr lang="fr-FR" sz="1400" dirty="0"/>
+              <a:t>	</a:t>
+            </a:r>
+            <a:r>
+              <a:rPr lang="fr-FR" sz="1400" dirty="0" err="1"/>
+              <a:t>rv</a:t>
+            </a:r>
+            <a:r>
+              <a:rPr lang="fr-FR" sz="1400" dirty="0"/>
+              <a:t> : </a:t>
+            </a:r>
+            <a:r>
+              <a:rPr lang="fr-FR" sz="1400" dirty="0" err="1"/>
+              <a:t>request</a:t>
+            </a:r>
+            <a:r>
+              <a:rPr lang="fr-FR" sz="1400" dirty="0"/>
+              <a:t> vote</a:t>
+            </a:r>
+          </a:p>
+          <a:p>
+            <a:r>
+              <a:rPr lang="fr-FR" sz="1400" dirty="0"/>
+              <a:t>	</a:t>
+            </a:r>
+            <a:r>
+              <a:rPr lang="fr-FR" sz="1400" dirty="0" err="1"/>
+              <a:t>gv</a:t>
+            </a:r>
+            <a:r>
+              <a:rPr lang="fr-FR" sz="1400" dirty="0"/>
+              <a:t> : global vote </a:t>
+            </a:r>
+            <a:r>
+              <a:rPr lang="fr-FR" sz="1400" dirty="0" err="1"/>
+              <a:t>result</a:t>
+            </a:r>
+            <a:endParaRPr lang="fr-FR" sz="1400" dirty="0"/>
+          </a:p>
+          <a:p>
+            <a:r>
+              <a:rPr lang="fr-FR" sz="1400" dirty="0"/>
+              <a:t>	v : vote </a:t>
+            </a:r>
+            <a:r>
+              <a:rPr lang="fr-FR" sz="1400" dirty="0" err="1"/>
+              <a:t>result</a:t>
+            </a:r>
+            <a:endParaRPr lang="fr-FR" sz="1400" dirty="0"/>
+          </a:p>
+          <a:p>
+            <a:r>
+              <a:rPr lang="fr-FR" sz="1400" dirty="0"/>
+              <a:t>	j : joueur étudié</a:t>
+            </a:r>
+          </a:p>
+          <a:p>
+            <a:r>
+              <a:rPr lang="fr-FR" sz="1400" dirty="0"/>
+              <a:t>	</a:t>
+            </a:r>
+            <a:r>
+              <a:rPr lang="fr-FR" sz="1400" dirty="0" err="1"/>
+              <a:t>jc</a:t>
+            </a:r>
+            <a:r>
+              <a:rPr lang="fr-FR" sz="1400" dirty="0"/>
+              <a:t> : joueur courant</a:t>
+            </a:r>
+          </a:p>
+          <a:p>
+            <a:endParaRPr lang="fr-FR" sz="1400" dirty="0"/>
+          </a:p>
+          <a:p>
+            <a:r>
+              <a:rPr lang="fr-FR" sz="1400" dirty="0" err="1"/>
+              <a:t>debut</a:t>
+            </a:r>
+            <a:endParaRPr lang="fr-FR" sz="1400" dirty="0"/>
+          </a:p>
+          <a:p>
+            <a:r>
+              <a:rPr lang="fr-FR" sz="1400" dirty="0"/>
+              <a:t>	score = 0</a:t>
+            </a:r>
+          </a:p>
+          <a:p>
+            <a:r>
+              <a:rPr lang="fr-FR" sz="1400" dirty="0"/>
+              <a:t>		</a:t>
+            </a:r>
+          </a:p>
+          <a:p>
+            <a:r>
+              <a:rPr lang="fr-FR" sz="1400" dirty="0"/>
+              <a:t>	si j = </a:t>
+            </a:r>
+            <a:r>
+              <a:rPr lang="fr-FR" sz="1400" dirty="0" err="1"/>
+              <a:t>jc</a:t>
+            </a:r>
+            <a:endParaRPr lang="fr-FR" sz="1400" dirty="0"/>
+          </a:p>
+          <a:p>
+            <a:r>
+              <a:rPr lang="fr-FR" sz="1400" dirty="0"/>
+              <a:t>		score =  MIN_VALUE #Valeur très </a:t>
+            </a:r>
+            <a:r>
+              <a:rPr lang="fr-FR" sz="1400" dirty="0" err="1"/>
+              <a:t>très</a:t>
+            </a:r>
+            <a:r>
+              <a:rPr lang="fr-FR" sz="1400" dirty="0"/>
+              <a:t> faible impossible à atteindre via le </a:t>
+            </a:r>
+            <a:r>
+              <a:rPr lang="fr-FR" sz="1400" dirty="0" err="1"/>
+              <a:t>scoring</a:t>
+            </a:r>
+            <a:endParaRPr lang="fr-FR" sz="1400" dirty="0"/>
+          </a:p>
+          <a:p>
+            <a:r>
+              <a:rPr lang="fr-FR" sz="1400" dirty="0"/>
+              <a:t>	si non </a:t>
+            </a:r>
+          </a:p>
+          <a:p>
+            <a:r>
+              <a:rPr lang="fr-FR" sz="1400" dirty="0"/>
+              <a:t>		score += </a:t>
+            </a:r>
+            <a:r>
+              <a:rPr lang="fr-FR" sz="1400" dirty="0" err="1"/>
+              <a:t>get</a:t>
+            </a:r>
+            <a:r>
+              <a:rPr lang="fr-FR" sz="1400" dirty="0"/>
+              <a:t>-vote(</a:t>
+            </a:r>
+            <a:r>
+              <a:rPr lang="fr-FR" sz="1400" dirty="0" err="1"/>
+              <a:t>gv</a:t>
+            </a:r>
+            <a:r>
+              <a:rPr lang="fr-FR" sz="1400" dirty="0"/>
+              <a:t>, j, </a:t>
+            </a:r>
+            <a:r>
+              <a:rPr lang="fr-FR" sz="1400" dirty="0" err="1"/>
+              <a:t>jc</a:t>
+            </a:r>
+            <a:r>
+              <a:rPr lang="fr-FR" sz="1400" dirty="0"/>
+              <a:t>) * FACTEUR_GLOBAL_VOTE #combien de fois le joueur a voté contre le joueur courant depuis le début de partie</a:t>
+            </a:r>
+          </a:p>
+          <a:p>
+            <a:r>
+              <a:rPr lang="fr-FR" sz="1400" dirty="0"/>
+              <a:t>		score += </a:t>
+            </a:r>
+            <a:r>
+              <a:rPr lang="fr-FR" sz="1400" dirty="0" err="1"/>
+              <a:t>get</a:t>
+            </a:r>
+            <a:r>
+              <a:rPr lang="fr-FR" sz="1400" dirty="0"/>
+              <a:t>-vote(v, j, </a:t>
+            </a:r>
+            <a:r>
+              <a:rPr lang="fr-FR" sz="1400" dirty="0" err="1"/>
+              <a:t>jc</a:t>
+            </a:r>
+            <a:r>
+              <a:rPr lang="fr-FR" sz="1400" dirty="0"/>
+              <a:t>) * FACTEUR_VOTE #combien de fois le joueur a voté contre le joueur courant  depuis le début du tour</a:t>
+            </a:r>
+          </a:p>
+          <a:p>
+            <a:r>
+              <a:rPr lang="fr-FR" sz="1400" dirty="0"/>
+              <a:t>		score += </a:t>
+            </a:r>
+            <a:r>
+              <a:rPr lang="fr-FR" sz="1400" dirty="0" err="1"/>
+              <a:t>get</a:t>
+            </a:r>
+            <a:r>
+              <a:rPr lang="fr-FR" sz="1400" dirty="0"/>
+              <a:t>-vote(v, j) * FACTEUR_VOTE # le nombre de voix contre le joueur</a:t>
+            </a:r>
+          </a:p>
+          <a:p>
+            <a:r>
+              <a:rPr lang="fr-FR" sz="1400" dirty="0"/>
+              <a:t>		score += </a:t>
+            </a:r>
+            <a:r>
+              <a:rPr lang="fr-FR" sz="1400" dirty="0" err="1"/>
+              <a:t>difference</a:t>
+            </a:r>
+            <a:r>
+              <a:rPr lang="fr-FR" sz="1400" dirty="0"/>
+              <a:t>-vote(v, j, </a:t>
+            </a:r>
+            <a:r>
+              <a:rPr lang="fr-FR" sz="1400" dirty="0" err="1"/>
+              <a:t>jc</a:t>
+            </a:r>
+            <a:r>
+              <a:rPr lang="fr-FR" sz="1400" dirty="0"/>
+              <a:t>) * FACTEUR_DIFFERENCE_VOTE # positif si le joueur a plus de voix que le joueur courant. négatif sinon</a:t>
+            </a:r>
+          </a:p>
+          <a:p>
+            <a:r>
+              <a:rPr lang="fr-FR" sz="1400" dirty="0"/>
+              <a:t>	retourne score</a:t>
+            </a:r>
+          </a:p>
+          <a:p>
+            <a:r>
+              <a:rPr lang="fr-FR" sz="1400" dirty="0"/>
+              <a:t>	</a:t>
+            </a:r>
+          </a:p>
+          <a:p>
+            <a:r>
+              <a:rPr lang="fr-FR" sz="1400" dirty="0"/>
+              <a:t>fin</a:t>
+            </a:r>
+          </a:p>
+        </p:txBody>
+      </p:sp>
+      <p:sp>
+        <p:nvSpPr>
+          <p:cNvPr id="30" name="Sous-titre 4"/>
+          <p:cNvSpPr>
+            <a:spLocks noGrp="1"/>
+          </p:cNvSpPr>
+          <p:nvPr>
+            <p:ph type="subTitle" idx="1"/>
+          </p:nvPr>
+        </p:nvSpPr>
+        <p:spPr>
+          <a:xfrm>
+            <a:off x="476657" y="279732"/>
+            <a:ext cx="5481584" cy="596869"/>
+          </a:xfrm>
+        </p:spPr>
+        <p:txBody>
+          <a:bodyPr/>
+          <a:lstStyle/>
+          <a:p>
+            <a:pPr algn="l"/>
+            <a:r>
+              <a:rPr lang="fr-FR" dirty="0" smtClean="0"/>
+              <a:t>ALGO SCORE CITIZEN VOTE</a:t>
+            </a:r>
+            <a:endParaRPr lang="fr-FR" dirty="0"/>
+          </a:p>
+        </p:txBody>
+      </p:sp>
+    </p:spTree>
+    <p:extLst>
+      <p:ext uri="{BB962C8B-B14F-4D97-AF65-F5344CB8AC3E}">
+        <p14:creationId xmlns:p14="http://schemas.microsoft.com/office/powerpoint/2010/main" val="3068974475"/>
+      </p:ext>
+    </p:extLst>
+  </p:cSld>
+  <p:clrMapOvr>
+    <a:masterClrMapping/>
+  </p:clrMapOvr>
+  <p:transition spd="med">
+    <p:pull/>
+  </p:transition>
+  <p:timing>
+    <p:tnLst>
+      <p:par>
+        <p:cTn id="1" dur="indefinite" restart="never" nodeType="tmRoot"/>
+      </p:par>
+    </p:tnLst>
+  </p:timing>
+</p:sld>
+</file>
+
+<file path=ppt/slides/slide34.xml><?xml version="1.0" encoding="utf-8"?>
+<p:sld xmlns:a="http://schemas.openxmlformats.org/drawingml/2006/main" xmlns:r="http://schemas.openxmlformats.org/officeDocument/2006/relationships" xmlns:p="http://schemas.openxmlformats.org/presentationml/2006/main">
+  <p:cSld>
+    <p:spTree>
+      <p:nvGrpSpPr>
+        <p:cNvPr id="1" name=""/>
+        <p:cNvGrpSpPr/>
+        <p:nvPr/>
+      </p:nvGrpSpPr>
+      <p:grpSpPr>
+        <a:xfrm>
+          <a:off x="0" y="0"/>
+          <a:ext cx="0" cy="0"/>
+          <a:chOff x="0" y="0"/>
+          <a:chExt cx="0" cy="0"/>
+        </a:xfrm>
+      </p:grpSpPr>
+      <p:sp>
+        <p:nvSpPr>
+          <p:cNvPr id="4" name="Rectangle 3"/>
+          <p:cNvSpPr/>
+          <p:nvPr/>
+        </p:nvSpPr>
+        <p:spPr>
+          <a:xfrm>
+            <a:off x="476657" y="1012409"/>
+            <a:ext cx="11459182" cy="3754874"/>
+          </a:xfrm>
+          <a:prstGeom prst="rect">
+            <a:avLst/>
+          </a:prstGeom>
+        </p:spPr>
+        <p:txBody>
+          <a:bodyPr wrap="square">
+            <a:spAutoFit/>
+          </a:bodyPr>
+          <a:lstStyle/>
+          <a:p>
+            <a:r>
+              <a:rPr lang="fr-FR" sz="1400" dirty="0"/>
+              <a:t>#</a:t>
+            </a:r>
+            <a:r>
+              <a:rPr lang="fr-FR" sz="1400" dirty="0" err="1"/>
+              <a:t>citizen</a:t>
+            </a:r>
+            <a:r>
+              <a:rPr lang="fr-FR" sz="1400" dirty="0"/>
+              <a:t> </a:t>
+            </a:r>
+            <a:r>
+              <a:rPr lang="fr-FR" sz="1400" dirty="0" smtClean="0"/>
+              <a:t>suspicion</a:t>
+            </a:r>
+            <a:endParaRPr lang="fr-FR" sz="1400" dirty="0"/>
+          </a:p>
+          <a:p>
+            <a:r>
+              <a:rPr lang="fr-FR" sz="1400" dirty="0"/>
+              <a:t>entrée : </a:t>
+            </a:r>
+          </a:p>
+          <a:p>
+            <a:r>
+              <a:rPr lang="fr-FR" sz="1400" dirty="0"/>
+              <a:t>	</a:t>
+            </a:r>
+            <a:r>
+              <a:rPr lang="fr-FR" sz="1400" dirty="0" err="1"/>
+              <a:t>rv</a:t>
+            </a:r>
+            <a:r>
+              <a:rPr lang="fr-FR" sz="1400" dirty="0"/>
+              <a:t> : </a:t>
+            </a:r>
+            <a:r>
+              <a:rPr lang="fr-FR" sz="1400" dirty="0" err="1"/>
+              <a:t>request</a:t>
+            </a:r>
+            <a:r>
+              <a:rPr lang="fr-FR" sz="1400" dirty="0"/>
+              <a:t> vote</a:t>
+            </a:r>
+          </a:p>
+          <a:p>
+            <a:r>
+              <a:rPr lang="fr-FR" sz="1400" dirty="0"/>
+              <a:t>	</a:t>
+            </a:r>
+            <a:r>
+              <a:rPr lang="fr-FR" sz="1400" dirty="0" err="1"/>
+              <a:t>gv</a:t>
+            </a:r>
+            <a:r>
+              <a:rPr lang="fr-FR" sz="1400" dirty="0"/>
+              <a:t> : global vote </a:t>
+            </a:r>
+            <a:r>
+              <a:rPr lang="fr-FR" sz="1400" dirty="0" err="1"/>
+              <a:t>result</a:t>
+            </a:r>
+            <a:endParaRPr lang="fr-FR" sz="1400" dirty="0"/>
+          </a:p>
+          <a:p>
+            <a:r>
+              <a:rPr lang="fr-FR" sz="1400" dirty="0"/>
+              <a:t>	v : vote </a:t>
+            </a:r>
+            <a:r>
+              <a:rPr lang="fr-FR" sz="1400" dirty="0" err="1"/>
+              <a:t>result</a:t>
+            </a:r>
+            <a:endParaRPr lang="fr-FR" sz="1400" dirty="0"/>
+          </a:p>
+          <a:p>
+            <a:r>
+              <a:rPr lang="fr-FR" sz="1400" dirty="0"/>
+              <a:t>	s : suspicion</a:t>
+            </a:r>
+          </a:p>
+          <a:p>
+            <a:r>
+              <a:rPr lang="fr-FR" sz="1400" dirty="0"/>
+              <a:t>	j : joueur étudié</a:t>
+            </a:r>
+          </a:p>
+          <a:p>
+            <a:r>
+              <a:rPr lang="fr-FR" sz="1400" dirty="0"/>
+              <a:t>	</a:t>
+            </a:r>
+            <a:r>
+              <a:rPr lang="fr-FR" sz="1400" dirty="0" err="1"/>
+              <a:t>jc</a:t>
+            </a:r>
+            <a:r>
+              <a:rPr lang="fr-FR" sz="1400" dirty="0"/>
+              <a:t> : joueur courant</a:t>
+            </a:r>
+          </a:p>
+          <a:p>
+            <a:endParaRPr lang="fr-FR" sz="1400" dirty="0"/>
+          </a:p>
+          <a:p>
+            <a:r>
+              <a:rPr lang="fr-FR" sz="1400" dirty="0" err="1"/>
+              <a:t>debut</a:t>
+            </a:r>
+            <a:endParaRPr lang="fr-FR" sz="1400" dirty="0"/>
+          </a:p>
+          <a:p>
+            <a:r>
+              <a:rPr lang="fr-FR" sz="1400" dirty="0"/>
+              <a:t>	score = 0</a:t>
+            </a:r>
+          </a:p>
+          <a:p>
+            <a:r>
+              <a:rPr lang="fr-FR" sz="1400" dirty="0"/>
+              <a:t>	si j = </a:t>
+            </a:r>
+            <a:r>
+              <a:rPr lang="fr-FR" sz="1400" dirty="0" err="1"/>
+              <a:t>jc</a:t>
+            </a:r>
+            <a:endParaRPr lang="fr-FR" sz="1400" dirty="0"/>
+          </a:p>
+          <a:p>
+            <a:r>
+              <a:rPr lang="fr-FR" sz="1400" dirty="0"/>
+              <a:t>		score =  MIN_VALUE #Valeur très </a:t>
+            </a:r>
+            <a:r>
+              <a:rPr lang="fr-FR" sz="1400" dirty="0" err="1"/>
+              <a:t>très</a:t>
+            </a:r>
+            <a:r>
+              <a:rPr lang="fr-FR" sz="1400" dirty="0"/>
+              <a:t> faible impossible à atteindre via le </a:t>
+            </a:r>
+            <a:r>
+              <a:rPr lang="fr-FR" sz="1400" dirty="0" err="1"/>
+              <a:t>scoring</a:t>
+            </a:r>
+            <a:endParaRPr lang="fr-FR" sz="1400" dirty="0"/>
+          </a:p>
+          <a:p>
+            <a:r>
+              <a:rPr lang="fr-FR" sz="1400" dirty="0"/>
+              <a:t>	si non </a:t>
+            </a:r>
+          </a:p>
+          <a:p>
+            <a:r>
+              <a:rPr lang="fr-FR" sz="1400" dirty="0"/>
+              <a:t>		score += </a:t>
+            </a:r>
+            <a:r>
+              <a:rPr lang="fr-FR" sz="1400" dirty="0" err="1"/>
+              <a:t>get</a:t>
+            </a:r>
+            <a:r>
+              <a:rPr lang="fr-FR" sz="1400" dirty="0"/>
+              <a:t>-suspicion(s, j) * SUSPICION_FACTEUR</a:t>
+            </a:r>
+          </a:p>
+          <a:p>
+            <a:r>
+              <a:rPr lang="fr-FR" sz="1400" dirty="0"/>
+              <a:t>	retourne score</a:t>
+            </a:r>
+          </a:p>
+          <a:p>
+            <a:r>
+              <a:rPr lang="fr-FR" sz="1400" dirty="0"/>
+              <a:t>fin</a:t>
+            </a:r>
+          </a:p>
+        </p:txBody>
+      </p:sp>
+      <p:sp>
+        <p:nvSpPr>
+          <p:cNvPr id="3" name="Sous-titre 4"/>
+          <p:cNvSpPr>
+            <a:spLocks noGrp="1"/>
+          </p:cNvSpPr>
+          <p:nvPr>
+            <p:ph type="subTitle" idx="1"/>
+          </p:nvPr>
+        </p:nvSpPr>
+        <p:spPr>
+          <a:xfrm>
+            <a:off x="476657" y="279732"/>
+            <a:ext cx="5481584" cy="596869"/>
+          </a:xfrm>
+        </p:spPr>
+        <p:txBody>
+          <a:bodyPr/>
+          <a:lstStyle/>
+          <a:p>
+            <a:pPr algn="l"/>
+            <a:r>
+              <a:rPr lang="fr-FR" dirty="0" smtClean="0"/>
+              <a:t>ALGO SCORE CITIZEN SUSPICION</a:t>
+            </a:r>
+            <a:endParaRPr lang="fr-FR" dirty="0"/>
+          </a:p>
+        </p:txBody>
+      </p:sp>
+    </p:spTree>
+    <p:extLst>
+      <p:ext uri="{BB962C8B-B14F-4D97-AF65-F5344CB8AC3E}">
+        <p14:creationId xmlns:p14="http://schemas.microsoft.com/office/powerpoint/2010/main" val="458353506"/>
+      </p:ext>
+    </p:extLst>
+  </p:cSld>
+  <p:clrMapOvr>
+    <a:masterClrMapping/>
+  </p:clrMapOvr>
+  <p:transition spd="med">
+    <p:pull/>
+  </p:transition>
+  <p:timing>
+    <p:tnLst>
+      <p:par>
+        <p:cTn id="1" dur="indefinite" restart="never" nodeType="tmRoot"/>
+      </p:par>
+    </p:tnLst>
+  </p:timing>
+</p:sld>
+</file>
+
+<file path=ppt/slides/slide35.xml><?xml version="1.0" encoding="utf-8"?>
+<p:sld xmlns:a="http://schemas.openxmlformats.org/drawingml/2006/main" xmlns:r="http://schemas.openxmlformats.org/officeDocument/2006/relationships" xmlns:p="http://schemas.openxmlformats.org/presentationml/2006/main">
+  <p:cSld>
+    <p:spTree>
+      <p:nvGrpSpPr>
+        <p:cNvPr id="1" name=""/>
+        <p:cNvGrpSpPr/>
+        <p:nvPr/>
+      </p:nvGrpSpPr>
+      <p:grpSpPr>
+        <a:xfrm>
+          <a:off x="0" y="0"/>
+          <a:ext cx="0" cy="0"/>
+          <a:chOff x="0" y="0"/>
+          <a:chExt cx="0" cy="0"/>
+        </a:xfrm>
+      </p:grpSpPr>
+      <p:sp>
+        <p:nvSpPr>
+          <p:cNvPr id="4" name="Rectangle 3"/>
+          <p:cNvSpPr/>
+          <p:nvPr/>
+        </p:nvSpPr>
+        <p:spPr>
+          <a:xfrm>
+            <a:off x="476658" y="652485"/>
+            <a:ext cx="11459182" cy="5909310"/>
+          </a:xfrm>
+          <a:prstGeom prst="rect">
+            <a:avLst/>
+          </a:prstGeom>
+        </p:spPr>
+        <p:txBody>
+          <a:bodyPr wrap="square">
+            <a:spAutoFit/>
+          </a:bodyPr>
+          <a:lstStyle/>
+          <a:p>
+            <a:r>
+              <a:rPr lang="fr-FR" sz="1400" dirty="0"/>
+              <a:t>#lover vote</a:t>
+            </a:r>
+          </a:p>
+          <a:p>
+            <a:r>
+              <a:rPr lang="fr-FR" sz="1400" dirty="0"/>
+              <a:t>entrée : </a:t>
+            </a:r>
+          </a:p>
+          <a:p>
+            <a:r>
+              <a:rPr lang="fr-FR" sz="1400" dirty="0"/>
+              <a:t>	</a:t>
+            </a:r>
+            <a:r>
+              <a:rPr lang="fr-FR" sz="1400" dirty="0" err="1"/>
+              <a:t>rv</a:t>
+            </a:r>
+            <a:r>
+              <a:rPr lang="fr-FR" sz="1400" dirty="0"/>
+              <a:t> : </a:t>
+            </a:r>
+            <a:r>
+              <a:rPr lang="fr-FR" sz="1400" dirty="0" err="1"/>
+              <a:t>request</a:t>
+            </a:r>
+            <a:r>
+              <a:rPr lang="fr-FR" sz="1400" dirty="0"/>
+              <a:t> vote</a:t>
+            </a:r>
+          </a:p>
+          <a:p>
+            <a:r>
+              <a:rPr lang="fr-FR" sz="1400" dirty="0"/>
+              <a:t>	</a:t>
+            </a:r>
+            <a:r>
+              <a:rPr lang="fr-FR" sz="1400" dirty="0" err="1"/>
+              <a:t>gv</a:t>
+            </a:r>
+            <a:r>
+              <a:rPr lang="fr-FR" sz="1400" dirty="0"/>
+              <a:t> : global vote </a:t>
+            </a:r>
+            <a:r>
+              <a:rPr lang="fr-FR" sz="1400" dirty="0" err="1"/>
+              <a:t>result</a:t>
+            </a:r>
+            <a:endParaRPr lang="fr-FR" sz="1400" dirty="0"/>
+          </a:p>
+          <a:p>
+            <a:r>
+              <a:rPr lang="fr-FR" sz="1400" dirty="0"/>
+              <a:t>	v : vote </a:t>
+            </a:r>
+            <a:r>
+              <a:rPr lang="fr-FR" sz="1400" dirty="0" err="1"/>
+              <a:t>result</a:t>
+            </a:r>
+            <a:endParaRPr lang="fr-FR" sz="1400" dirty="0"/>
+          </a:p>
+          <a:p>
+            <a:r>
+              <a:rPr lang="fr-FR" sz="1400" dirty="0"/>
+              <a:t>	s : suspicion</a:t>
+            </a:r>
+          </a:p>
+          <a:p>
+            <a:r>
+              <a:rPr lang="fr-FR" sz="1400" dirty="0"/>
+              <a:t>	j : joueur étudié</a:t>
+            </a:r>
+          </a:p>
+          <a:p>
+            <a:r>
+              <a:rPr lang="fr-FR" sz="1400" dirty="0"/>
+              <a:t>	</a:t>
+            </a:r>
+            <a:r>
+              <a:rPr lang="fr-FR" sz="1400" dirty="0" err="1"/>
+              <a:t>ja</a:t>
+            </a:r>
+            <a:r>
+              <a:rPr lang="fr-FR" sz="1400" dirty="0"/>
+              <a:t> : lover (joueur aimé)</a:t>
+            </a:r>
+          </a:p>
+          <a:p>
+            <a:r>
+              <a:rPr lang="fr-FR" sz="1400" dirty="0"/>
+              <a:t>	</a:t>
+            </a:r>
+            <a:r>
+              <a:rPr lang="fr-FR" sz="1400" dirty="0" err="1"/>
+              <a:t>jc</a:t>
+            </a:r>
+            <a:r>
+              <a:rPr lang="fr-FR" sz="1400" dirty="0"/>
+              <a:t> : joueur courant</a:t>
+            </a:r>
+          </a:p>
+          <a:p>
+            <a:endParaRPr lang="fr-FR" sz="1400" dirty="0"/>
+          </a:p>
+          <a:p>
+            <a:r>
+              <a:rPr lang="fr-FR" sz="1400" dirty="0" err="1"/>
+              <a:t>debut</a:t>
+            </a:r>
+            <a:endParaRPr lang="fr-FR" sz="1400" dirty="0"/>
+          </a:p>
+          <a:p>
+            <a:r>
+              <a:rPr lang="fr-FR" sz="1400" dirty="0"/>
+              <a:t>	score = 0</a:t>
+            </a:r>
+          </a:p>
+          <a:p>
+            <a:r>
+              <a:rPr lang="fr-FR" sz="1400" dirty="0"/>
+              <a:t>	si j = </a:t>
+            </a:r>
+            <a:r>
+              <a:rPr lang="fr-FR" sz="1400" dirty="0" err="1"/>
+              <a:t>jc</a:t>
+            </a:r>
+            <a:r>
+              <a:rPr lang="fr-FR" sz="1400" dirty="0"/>
+              <a:t> </a:t>
+            </a:r>
+          </a:p>
+          <a:p>
+            <a:r>
+              <a:rPr lang="fr-FR" sz="1400" dirty="0"/>
+              <a:t>		score =  MIN_VALUE #Valeur très </a:t>
+            </a:r>
+            <a:r>
+              <a:rPr lang="fr-FR" sz="1400" dirty="0" err="1"/>
+              <a:t>très</a:t>
+            </a:r>
+            <a:r>
+              <a:rPr lang="fr-FR" sz="1400" dirty="0"/>
+              <a:t> faible impossible à atteindre via le </a:t>
+            </a:r>
+            <a:r>
+              <a:rPr lang="fr-FR" sz="1400" dirty="0" err="1"/>
+              <a:t>scoring</a:t>
+            </a:r>
+            <a:endParaRPr lang="fr-FR" sz="1400" dirty="0"/>
+          </a:p>
+          <a:p>
+            <a:r>
+              <a:rPr lang="fr-FR" sz="1400" dirty="0"/>
+              <a:t>	si non </a:t>
+            </a:r>
+          </a:p>
+          <a:p>
+            <a:r>
+              <a:rPr lang="fr-FR" sz="1400" dirty="0"/>
+              <a:t>		si j = </a:t>
+            </a:r>
+            <a:r>
+              <a:rPr lang="fr-FR" sz="1400" dirty="0" err="1"/>
+              <a:t>ja</a:t>
+            </a:r>
+            <a:endParaRPr lang="fr-FR" sz="1400" dirty="0"/>
+          </a:p>
+          <a:p>
+            <a:r>
+              <a:rPr lang="fr-FR" sz="1400" dirty="0"/>
+              <a:t>			score = MIN_VALUE</a:t>
+            </a:r>
+          </a:p>
+          <a:p>
+            <a:r>
+              <a:rPr lang="fr-FR" sz="1400" dirty="0"/>
+              <a:t>		sinon</a:t>
+            </a:r>
+          </a:p>
+          <a:p>
+            <a:r>
+              <a:rPr lang="fr-FR" sz="1400" dirty="0"/>
+              <a:t>			score += </a:t>
+            </a:r>
+            <a:r>
+              <a:rPr lang="fr-FR" sz="1400" dirty="0" err="1"/>
+              <a:t>get</a:t>
+            </a:r>
+            <a:r>
+              <a:rPr lang="fr-FR" sz="1400" dirty="0"/>
+              <a:t>-vote(</a:t>
+            </a:r>
+            <a:r>
+              <a:rPr lang="fr-FR" sz="1400" dirty="0" err="1"/>
+              <a:t>gv</a:t>
+            </a:r>
+            <a:r>
+              <a:rPr lang="fr-FR" sz="1400" dirty="0"/>
+              <a:t>, j, </a:t>
+            </a:r>
+            <a:r>
+              <a:rPr lang="fr-FR" sz="1400" dirty="0" err="1"/>
+              <a:t>ja</a:t>
+            </a:r>
+            <a:r>
+              <a:rPr lang="fr-FR" sz="1400" dirty="0"/>
+              <a:t>) * FACTEUR_GLOBAL_VOTE #combien de fois le joueur a voté contre le joueur aimé depuis le début de partie</a:t>
+            </a:r>
+          </a:p>
+          <a:p>
+            <a:r>
+              <a:rPr lang="fr-FR" sz="1400" dirty="0"/>
+              <a:t>			score += </a:t>
+            </a:r>
+            <a:r>
+              <a:rPr lang="fr-FR" sz="1400" dirty="0" err="1"/>
+              <a:t>get</a:t>
+            </a:r>
+            <a:r>
+              <a:rPr lang="fr-FR" sz="1400" dirty="0"/>
+              <a:t>-vote(v, j, </a:t>
+            </a:r>
+            <a:r>
+              <a:rPr lang="fr-FR" sz="1400" dirty="0" err="1"/>
+              <a:t>ja</a:t>
+            </a:r>
+            <a:r>
+              <a:rPr lang="fr-FR" sz="1400" dirty="0"/>
+              <a:t>) * FACTEUR_VOTE #combien de fois le joueur a voté contre le joueur aimé  depuis le début du tour</a:t>
+            </a:r>
+          </a:p>
+          <a:p>
+            <a:r>
+              <a:rPr lang="fr-FR" sz="1400" dirty="0"/>
+              <a:t>			score += </a:t>
+            </a:r>
+            <a:r>
+              <a:rPr lang="fr-FR" sz="1400" dirty="0" err="1"/>
+              <a:t>get</a:t>
+            </a:r>
+            <a:r>
+              <a:rPr lang="fr-FR" sz="1400" dirty="0"/>
+              <a:t>-vote(v, j) * FACTEUR_VOTE # le nombre de voix contre le joueur</a:t>
+            </a:r>
+          </a:p>
+          <a:p>
+            <a:r>
+              <a:rPr lang="fr-FR" sz="1400" dirty="0"/>
+              <a:t>			score += </a:t>
+            </a:r>
+            <a:r>
+              <a:rPr lang="fr-FR" sz="1400" dirty="0" err="1"/>
+              <a:t>difference</a:t>
+            </a:r>
+            <a:r>
+              <a:rPr lang="fr-FR" sz="1400" dirty="0"/>
+              <a:t>-vote(v, j, </a:t>
+            </a:r>
+            <a:r>
+              <a:rPr lang="fr-FR" sz="1400" dirty="0" err="1"/>
+              <a:t>ja</a:t>
+            </a:r>
+            <a:r>
+              <a:rPr lang="fr-FR" sz="1400" dirty="0"/>
+              <a:t>) * FACTEUR_DIFFERENCE_VOTE # positif si le joueur a plus de voix que le joueur aimé. </a:t>
+            </a:r>
+          </a:p>
+          <a:p>
+            <a:r>
+              <a:rPr lang="fr-FR" sz="1400" dirty="0"/>
+              <a:t>	retourne score</a:t>
+            </a:r>
+          </a:p>
+          <a:p>
+            <a:r>
+              <a:rPr lang="fr-FR" sz="1400" dirty="0"/>
+              <a:t>fin</a:t>
+            </a:r>
+          </a:p>
+        </p:txBody>
+      </p:sp>
+      <p:sp>
+        <p:nvSpPr>
+          <p:cNvPr id="3" name="Sous-titre 4"/>
+          <p:cNvSpPr>
+            <a:spLocks noGrp="1"/>
+          </p:cNvSpPr>
+          <p:nvPr>
+            <p:ph type="subTitle" idx="1"/>
+          </p:nvPr>
+        </p:nvSpPr>
+        <p:spPr>
+          <a:xfrm>
+            <a:off x="476658" y="237318"/>
+            <a:ext cx="5481584" cy="596869"/>
+          </a:xfrm>
+        </p:spPr>
+        <p:txBody>
+          <a:bodyPr/>
+          <a:lstStyle/>
+          <a:p>
+            <a:pPr algn="l"/>
+            <a:r>
+              <a:rPr lang="fr-FR" dirty="0" smtClean="0"/>
+              <a:t>ALGO SCORE LOVER VOTE</a:t>
+            </a:r>
+            <a:endParaRPr lang="fr-FR" dirty="0"/>
+          </a:p>
+        </p:txBody>
+      </p:sp>
+    </p:spTree>
+    <p:extLst>
+      <p:ext uri="{BB962C8B-B14F-4D97-AF65-F5344CB8AC3E}">
+        <p14:creationId xmlns:p14="http://schemas.microsoft.com/office/powerpoint/2010/main" val="1606059040"/>
+      </p:ext>
+    </p:extLst>
+  </p:cSld>
+  <p:clrMapOvr>
+    <a:masterClrMapping/>
+  </p:clrMapOvr>
+  <p:transition spd="med">
+    <p:pull/>
+  </p:transition>
+  <p:timing>
+    <p:tnLst>
+      <p:par>
+        <p:cTn id="1" dur="indefinite" restart="never" nodeType="tmRoot"/>
+      </p:par>
+    </p:tnLst>
+  </p:timing>
+</p:sld>
+</file>
+
+<file path=ppt/slides/slide36.xml><?xml version="1.0" encoding="utf-8"?>
 <p:sld xmlns:a="http://schemas.openxmlformats.org/drawingml/2006/main" xmlns:r="http://schemas.openxmlformats.org/officeDocument/2006/relationships" xmlns:p="http://schemas.openxmlformats.org/presentationml/2006/main">
   <p:cSld>
     <p:spTree>

--- a/README.pptx
+++ b/README.pptx
@@ -278,7 +278,7 @@
           <a:p>
             <a:fld id="{C4F1E50A-4571-4B4A-874F-A3CA17A17BF4}" type="datetimeFigureOut">
               <a:rPr lang="fr-FR" smtClean="0"/>
-              <a:t>15/05/2017</a:t>
+              <a:t>16/05/2017</a:t>
             </a:fld>
             <a:endParaRPr lang="fr-FR"/>
           </a:p>
@@ -448,7 +448,7 @@
           <a:p>
             <a:fld id="{C4F1E50A-4571-4B4A-874F-A3CA17A17BF4}" type="datetimeFigureOut">
               <a:rPr lang="fr-FR" smtClean="0"/>
-              <a:t>15/05/2017</a:t>
+              <a:t>16/05/2017</a:t>
             </a:fld>
             <a:endParaRPr lang="fr-FR"/>
           </a:p>
@@ -628,7 +628,7 @@
           <a:p>
             <a:fld id="{C4F1E50A-4571-4B4A-874F-A3CA17A17BF4}" type="datetimeFigureOut">
               <a:rPr lang="fr-FR" smtClean="0"/>
-              <a:t>15/05/2017</a:t>
+              <a:t>16/05/2017</a:t>
             </a:fld>
             <a:endParaRPr lang="fr-FR"/>
           </a:p>
@@ -798,7 +798,7 @@
           <a:p>
             <a:fld id="{C4F1E50A-4571-4B4A-874F-A3CA17A17BF4}" type="datetimeFigureOut">
               <a:rPr lang="fr-FR" smtClean="0"/>
-              <a:t>15/05/2017</a:t>
+              <a:t>16/05/2017</a:t>
             </a:fld>
             <a:endParaRPr lang="fr-FR"/>
           </a:p>
@@ -1044,7 +1044,7 @@
           <a:p>
             <a:fld id="{C4F1E50A-4571-4B4A-874F-A3CA17A17BF4}" type="datetimeFigureOut">
               <a:rPr lang="fr-FR" smtClean="0"/>
-              <a:t>15/05/2017</a:t>
+              <a:t>16/05/2017</a:t>
             </a:fld>
             <a:endParaRPr lang="fr-FR"/>
           </a:p>
@@ -1276,7 +1276,7 @@
           <a:p>
             <a:fld id="{C4F1E50A-4571-4B4A-874F-A3CA17A17BF4}" type="datetimeFigureOut">
               <a:rPr lang="fr-FR" smtClean="0"/>
-              <a:t>15/05/2017</a:t>
+              <a:t>16/05/2017</a:t>
             </a:fld>
             <a:endParaRPr lang="fr-FR"/>
           </a:p>
@@ -1643,7 +1643,7 @@
           <a:p>
             <a:fld id="{C4F1E50A-4571-4B4A-874F-A3CA17A17BF4}" type="datetimeFigureOut">
               <a:rPr lang="fr-FR" smtClean="0"/>
-              <a:t>15/05/2017</a:t>
+              <a:t>16/05/2017</a:t>
             </a:fld>
             <a:endParaRPr lang="fr-FR"/>
           </a:p>
@@ -1761,7 +1761,7 @@
           <a:p>
             <a:fld id="{C4F1E50A-4571-4B4A-874F-A3CA17A17BF4}" type="datetimeFigureOut">
               <a:rPr lang="fr-FR" smtClean="0"/>
-              <a:t>15/05/2017</a:t>
+              <a:t>16/05/2017</a:t>
             </a:fld>
             <a:endParaRPr lang="fr-FR"/>
           </a:p>
@@ -1856,7 +1856,7 @@
           <a:p>
             <a:fld id="{C4F1E50A-4571-4B4A-874F-A3CA17A17BF4}" type="datetimeFigureOut">
               <a:rPr lang="fr-FR" smtClean="0"/>
-              <a:t>15/05/2017</a:t>
+              <a:t>16/05/2017</a:t>
             </a:fld>
             <a:endParaRPr lang="fr-FR"/>
           </a:p>
@@ -2133,7 +2133,7 @@
           <a:p>
             <a:fld id="{C4F1E50A-4571-4B4A-874F-A3CA17A17BF4}" type="datetimeFigureOut">
               <a:rPr lang="fr-FR" smtClean="0"/>
-              <a:t>15/05/2017</a:t>
+              <a:t>16/05/2017</a:t>
             </a:fld>
             <a:endParaRPr lang="fr-FR"/>
           </a:p>
@@ -2386,7 +2386,7 @@
           <a:p>
             <a:fld id="{C4F1E50A-4571-4B4A-874F-A3CA17A17BF4}" type="datetimeFigureOut">
               <a:rPr lang="fr-FR" smtClean="0"/>
-              <a:t>15/05/2017</a:t>
+              <a:t>16/05/2017</a:t>
             </a:fld>
             <a:endParaRPr lang="fr-FR"/>
           </a:p>
@@ -2599,7 +2599,7 @@
           <a:p>
             <a:fld id="{C4F1E50A-4571-4B4A-874F-A3CA17A17BF4}" type="datetimeFigureOut">
               <a:rPr lang="fr-FR" smtClean="0"/>
-              <a:t>15/05/2017</a:t>
+              <a:t>16/05/2017</a:t>
             </a:fld>
             <a:endParaRPr lang="fr-FR"/>
           </a:p>
@@ -15736,11 +15736,7 @@
             <a:pPr algn="ctr"/>
             <a:r>
               <a:rPr lang="fr-FR" sz="1200" dirty="0" smtClean="0"/>
-              <a:t>Créer </a:t>
-            </a:r>
-            <a:r>
-              <a:rPr lang="fr-FR" sz="1200" dirty="0" smtClean="0"/>
-              <a:t>partie</a:t>
+              <a:t>Créer partie</a:t>
             </a:r>
             <a:endParaRPr lang="fr-FR" sz="1200" dirty="0"/>
           </a:p>

--- a/README.pptx
+++ b/README.pptx
@@ -279,7 +279,7 @@
           <a:p>
             <a:fld id="{C4F1E50A-4571-4B4A-874F-A3CA17A17BF4}" type="datetimeFigureOut">
               <a:rPr lang="fr-FR" smtClean="0"/>
-              <a:t>29/05/2017</a:t>
+              <a:t>30/05/2017</a:t>
             </a:fld>
             <a:endParaRPr lang="fr-FR"/>
           </a:p>
@@ -449,7 +449,7 @@
           <a:p>
             <a:fld id="{C4F1E50A-4571-4B4A-874F-A3CA17A17BF4}" type="datetimeFigureOut">
               <a:rPr lang="fr-FR" smtClean="0"/>
-              <a:t>29/05/2017</a:t>
+              <a:t>30/05/2017</a:t>
             </a:fld>
             <a:endParaRPr lang="fr-FR"/>
           </a:p>
@@ -629,7 +629,7 @@
           <a:p>
             <a:fld id="{C4F1E50A-4571-4B4A-874F-A3CA17A17BF4}" type="datetimeFigureOut">
               <a:rPr lang="fr-FR" smtClean="0"/>
-              <a:t>29/05/2017</a:t>
+              <a:t>30/05/2017</a:t>
             </a:fld>
             <a:endParaRPr lang="fr-FR"/>
           </a:p>
@@ -799,7 +799,7 @@
           <a:p>
             <a:fld id="{C4F1E50A-4571-4B4A-874F-A3CA17A17BF4}" type="datetimeFigureOut">
               <a:rPr lang="fr-FR" smtClean="0"/>
-              <a:t>29/05/2017</a:t>
+              <a:t>30/05/2017</a:t>
             </a:fld>
             <a:endParaRPr lang="fr-FR"/>
           </a:p>
@@ -1045,7 +1045,7 @@
           <a:p>
             <a:fld id="{C4F1E50A-4571-4B4A-874F-A3CA17A17BF4}" type="datetimeFigureOut">
               <a:rPr lang="fr-FR" smtClean="0"/>
-              <a:t>29/05/2017</a:t>
+              <a:t>30/05/2017</a:t>
             </a:fld>
             <a:endParaRPr lang="fr-FR"/>
           </a:p>
@@ -1277,7 +1277,7 @@
           <a:p>
             <a:fld id="{C4F1E50A-4571-4B4A-874F-A3CA17A17BF4}" type="datetimeFigureOut">
               <a:rPr lang="fr-FR" smtClean="0"/>
-              <a:t>29/05/2017</a:t>
+              <a:t>30/05/2017</a:t>
             </a:fld>
             <a:endParaRPr lang="fr-FR"/>
           </a:p>
@@ -1644,7 +1644,7 @@
           <a:p>
             <a:fld id="{C4F1E50A-4571-4B4A-874F-A3CA17A17BF4}" type="datetimeFigureOut">
               <a:rPr lang="fr-FR" smtClean="0"/>
-              <a:t>29/05/2017</a:t>
+              <a:t>30/05/2017</a:t>
             </a:fld>
             <a:endParaRPr lang="fr-FR"/>
           </a:p>
@@ -1762,7 +1762,7 @@
           <a:p>
             <a:fld id="{C4F1E50A-4571-4B4A-874F-A3CA17A17BF4}" type="datetimeFigureOut">
               <a:rPr lang="fr-FR" smtClean="0"/>
-              <a:t>29/05/2017</a:t>
+              <a:t>30/05/2017</a:t>
             </a:fld>
             <a:endParaRPr lang="fr-FR"/>
           </a:p>
@@ -1857,7 +1857,7 @@
           <a:p>
             <a:fld id="{C4F1E50A-4571-4B4A-874F-A3CA17A17BF4}" type="datetimeFigureOut">
               <a:rPr lang="fr-FR" smtClean="0"/>
-              <a:t>29/05/2017</a:t>
+              <a:t>30/05/2017</a:t>
             </a:fld>
             <a:endParaRPr lang="fr-FR"/>
           </a:p>
@@ -2134,7 +2134,7 @@
           <a:p>
             <a:fld id="{C4F1E50A-4571-4B4A-874F-A3CA17A17BF4}" type="datetimeFigureOut">
               <a:rPr lang="fr-FR" smtClean="0"/>
-              <a:t>29/05/2017</a:t>
+              <a:t>30/05/2017</a:t>
             </a:fld>
             <a:endParaRPr lang="fr-FR"/>
           </a:p>
@@ -2387,7 +2387,7 @@
           <a:p>
             <a:fld id="{C4F1E50A-4571-4B4A-874F-A3CA17A17BF4}" type="datetimeFigureOut">
               <a:rPr lang="fr-FR" smtClean="0"/>
-              <a:t>29/05/2017</a:t>
+              <a:t>30/05/2017</a:t>
             </a:fld>
             <a:endParaRPr lang="fr-FR"/>
           </a:p>
@@ -2600,7 +2600,7 @@
           <a:p>
             <a:fld id="{C4F1E50A-4571-4B4A-874F-A3CA17A17BF4}" type="datetimeFigureOut">
               <a:rPr lang="fr-FR" smtClean="0"/>
-              <a:t>29/05/2017</a:t>
+              <a:t>30/05/2017</a:t>
             </a:fld>
             <a:endParaRPr lang="fr-FR"/>
           </a:p>
@@ -16912,11 +16912,7 @@
             </a:pPr>
             <a:r>
               <a:rPr lang="fr-FR" sz="2000" dirty="0" smtClean="0"/>
-              <a:t>Game Container : conteneur de jeu (contient les agents de jeu</a:t>
-            </a:r>
-            <a:r>
-              <a:rPr lang="fr-FR" sz="2000" dirty="0" smtClean="0"/>
-              <a:t>)</a:t>
+              <a:t>Game Container : conteneur de jeu (contient les agents de jeu)</a:t>
             </a:r>
           </a:p>
           <a:p>
@@ -16935,7 +16931,6 @@
               <a:rPr lang="fr-FR" sz="2000" dirty="0" smtClean="0"/>
               <a:t>UI Container : conteneur interagissant avec l’UI</a:t>
             </a:r>
-            <a:endParaRPr lang="fr-FR" sz="2000" dirty="0" smtClean="0"/>
           </a:p>
         </p:txBody>
       </p:sp>
@@ -20647,7 +20642,7 @@
         </p:nvSpPr>
         <p:spPr>
           <a:xfrm>
-            <a:off x="1099734" y="2950488"/>
+            <a:off x="1099734" y="2967740"/>
             <a:ext cx="1426705" cy="564210"/>
           </a:xfrm>
           <a:prstGeom prst="roundRect">

--- a/README.pptx
+++ b/README.pptx
@@ -4638,8 +4638,13 @@
             </a:pPr>
             <a:r>
               <a:rPr lang="fr-FR" sz="1400" dirty="0" smtClean="0"/>
-              <a:t>Player 2 (premier loup garou) se réveille</a:t>
-            </a:r>
+              <a:t>Player 2 (premier loup garou) </a:t>
+            </a:r>
+            <a:r>
+              <a:rPr lang="fr-FR" sz="1400" dirty="0" smtClean="0"/>
+              <a:t>se</a:t>
+            </a:r>
+            <a:endParaRPr lang="fr-FR" sz="1400" dirty="0" smtClean="0"/>
           </a:p>
           <a:p>
             <a:pPr marL="285750" indent="-285750">
@@ -4648,7 +4653,19 @@
             </a:pPr>
             <a:r>
               <a:rPr lang="fr-FR" sz="1400" dirty="0" smtClean="0"/>
-              <a:t>Son réveil alerte ses voisins (ici portée de 2)</a:t>
+              <a:t>Son réveil alerte ses voisins (ici </a:t>
+            </a:r>
+            <a:r>
+              <a:rPr lang="fr-FR" sz="1400" dirty="0" err="1"/>
+              <a:t>portéeréveille</a:t>
+            </a:r>
+            <a:r>
+              <a:rPr lang="fr-FR" sz="1400" dirty="0"/>
+              <a:t> </a:t>
+            </a:r>
+            <a:r>
+              <a:rPr lang="fr-FR" sz="1400" dirty="0" smtClean="0"/>
+              <a:t>de 2)</a:t>
             </a:r>
           </a:p>
           <a:p>
@@ -18319,7 +18336,7 @@
         <p:spPr>
           <a:xfrm>
             <a:off x="7352720" y="2631380"/>
-            <a:ext cx="2181220" cy="1266372"/>
+            <a:ext cx="2181220" cy="439624"/>
           </a:xfrm>
           <a:prstGeom prst="roundRect">
             <a:avLst>
@@ -18348,7 +18365,55 @@
           <a:p>
             <a:r>
               <a:rPr lang="fr-FR" sz="1200" dirty="0" smtClean="0"/>
-              <a:t>Interface joueur humain</a:t>
+              <a:t>joueur </a:t>
+            </a:r>
+            <a:r>
+              <a:rPr lang="fr-FR" sz="1200" dirty="0" smtClean="0"/>
+              <a:t>humain</a:t>
+            </a:r>
+            <a:endParaRPr lang="fr-FR" sz="1200" dirty="0"/>
+          </a:p>
+        </p:txBody>
+      </p:sp>
+      <p:sp>
+        <p:nvSpPr>
+          <p:cNvPr id="9" name="Rectangle à coins arrondis 8"/>
+          <p:cNvSpPr/>
+          <p:nvPr/>
+        </p:nvSpPr>
+        <p:spPr>
+          <a:xfrm>
+            <a:off x="8740449" y="3180595"/>
+            <a:ext cx="793491" cy="439624"/>
+          </a:xfrm>
+          <a:prstGeom prst="roundRect">
+            <a:avLst>
+              <a:gd name="adj" fmla="val 0"/>
+            </a:avLst>
+          </a:prstGeom>
+          <a:ln/>
+        </p:spPr>
+        <p:style>
+          <a:lnRef idx="2">
+            <a:schemeClr val="accent5"/>
+          </a:lnRef>
+          <a:fillRef idx="1">
+            <a:schemeClr val="lt1"/>
+          </a:fillRef>
+          <a:effectRef idx="0">
+            <a:schemeClr val="accent5"/>
+          </a:effectRef>
+          <a:fontRef idx="minor">
+            <a:schemeClr val="dk1"/>
+          </a:fontRef>
+        </p:style>
+        <p:txBody>
+          <a:bodyPr rtlCol="0" anchor="ctr"/>
+          <a:lstStyle/>
+          <a:p>
+            <a:r>
+              <a:rPr lang="fr-FR" sz="1200" dirty="0" smtClean="0"/>
+              <a:t>ok</a:t>
             </a:r>
             <a:endParaRPr lang="fr-FR" sz="1200" dirty="0"/>
           </a:p>
@@ -20835,7 +20900,7 @@
         <p:spPr>
           <a:xfrm>
             <a:off x="5641675" y="1984182"/>
-            <a:ext cx="7582618" cy="707886"/>
+            <a:ext cx="6254151" cy="707886"/>
           </a:xfrm>
           <a:prstGeom prst="rect">
             <a:avLst/>
